--- a/docs/diagrams/EncryptionSequenceDiagram.pptx
+++ b/docs/diagrams/EncryptionSequenceDiagram.pptx
@@ -117,12 +117,12 @@
   <pc:docChgLst>
     <pc:chgData name="Chan Jun Yuan" userId="30ea8f8e1118c6fe" providerId="LiveId" clId="{C590CF02-00CD-438D-9B50-B753E2503251}"/>
     <pc:docChg chg="undo custSel modSld">
-      <pc:chgData name="Chan Jun Yuan" userId="30ea8f8e1118c6fe" providerId="LiveId" clId="{C590CF02-00CD-438D-9B50-B753E2503251}" dt="2018-04-03T10:22:31.028" v="306" actId="478"/>
+      <pc:chgData name="Chan Jun Yuan" userId="30ea8f8e1118c6fe" providerId="LiveId" clId="{C590CF02-00CD-438D-9B50-B753E2503251}" dt="2018-04-03T17:40:50.867" v="817" actId="1036"/>
       <pc:docMkLst>
         <pc:docMk/>
       </pc:docMkLst>
       <pc:sldChg chg="addSp delSp modSp">
-        <pc:chgData name="Chan Jun Yuan" userId="30ea8f8e1118c6fe" providerId="LiveId" clId="{C590CF02-00CD-438D-9B50-B753E2503251}" dt="2018-04-03T10:22:31.028" v="306" actId="478"/>
+        <pc:chgData name="Chan Jun Yuan" userId="30ea8f8e1118c6fe" providerId="LiveId" clId="{C590CF02-00CD-438D-9B50-B753E2503251}" dt="2018-04-03T17:40:50.867" v="817" actId="1036"/>
         <pc:sldMkLst>
           <pc:docMk/>
           <pc:sldMk cId="1874161885" sldId="256"/>
@@ -327,12 +327,100 @@
             <ac:spMk id="49" creationId="{28111F5F-0EC9-4F67-A37D-994937EBC1B9}"/>
           </ac:spMkLst>
         </pc:spChg>
+        <pc:spChg chg="add mod">
+          <ac:chgData name="Chan Jun Yuan" userId="30ea8f8e1118c6fe" providerId="LiveId" clId="{C590CF02-00CD-438D-9B50-B753E2503251}" dt="2018-04-03T16:55:54.571" v="524" actId="1076"/>
+          <ac:spMkLst>
+            <pc:docMk/>
+            <pc:sldMk cId="1874161885" sldId="256"/>
+            <ac:spMk id="49" creationId="{4281FF07-B0F2-4AC1-B607-2E59B7A9B9AE}"/>
+          </ac:spMkLst>
+        </pc:spChg>
+        <pc:spChg chg="add mod">
+          <ac:chgData name="Chan Jun Yuan" userId="30ea8f8e1118c6fe" providerId="LiveId" clId="{C590CF02-00CD-438D-9B50-B753E2503251}" dt="2018-04-03T16:58:39.512" v="597" actId="14100"/>
+          <ac:spMkLst>
+            <pc:docMk/>
+            <pc:sldMk cId="1874161885" sldId="256"/>
+            <ac:spMk id="51" creationId="{0F0E0D83-2ACD-414E-808F-89FA160CD4C2}"/>
+          </ac:spMkLst>
+        </pc:spChg>
         <pc:spChg chg="del">
           <ac:chgData name="Chan Jun Yuan" userId="30ea8f8e1118c6fe" providerId="LiveId" clId="{C590CF02-00CD-438D-9B50-B753E2503251}" dt="2018-04-03T09:41:47.351" v="43" actId="478"/>
           <ac:spMkLst>
             <pc:docMk/>
             <pc:sldMk cId="1874161885" sldId="256"/>
             <ac:spMk id="52" creationId="{8A9B9817-9AB7-49C8-8FC2-807A96407DA3}"/>
+          </ac:spMkLst>
+        </pc:spChg>
+        <pc:spChg chg="add mod">
+          <ac:chgData name="Chan Jun Yuan" userId="30ea8f8e1118c6fe" providerId="LiveId" clId="{C590CF02-00CD-438D-9B50-B753E2503251}" dt="2018-04-03T16:55:54.571" v="524" actId="1076"/>
+          <ac:spMkLst>
+            <pc:docMk/>
+            <pc:sldMk cId="1874161885" sldId="256"/>
+            <ac:spMk id="54" creationId="{6A860EE2-A508-41ED-8D74-3C0B92874C79}"/>
+          </ac:spMkLst>
+        </pc:spChg>
+        <pc:spChg chg="mod">
+          <ac:chgData name="Chan Jun Yuan" userId="30ea8f8e1118c6fe" providerId="LiveId" clId="{C590CF02-00CD-438D-9B50-B753E2503251}" dt="2018-04-03T16:53:57.474" v="480" actId="208"/>
+          <ac:spMkLst>
+            <pc:docMk/>
+            <pc:sldMk cId="1874161885" sldId="256"/>
+            <ac:spMk id="56" creationId="{84AC7C1F-DC45-4C99-9C36-28AFBFD29E3B}"/>
+          </ac:spMkLst>
+        </pc:spChg>
+        <pc:spChg chg="mod">
+          <ac:chgData name="Chan Jun Yuan" userId="30ea8f8e1118c6fe" providerId="LiveId" clId="{C590CF02-00CD-438D-9B50-B753E2503251}" dt="2018-04-03T16:54:27.738" v="487" actId="208"/>
+          <ac:spMkLst>
+            <pc:docMk/>
+            <pc:sldMk cId="1874161885" sldId="256"/>
+            <ac:spMk id="57" creationId="{574DF8E2-48E4-433E-A90E-78BF9E09F442}"/>
+          </ac:spMkLst>
+        </pc:spChg>
+        <pc:spChg chg="add mod">
+          <ac:chgData name="Chan Jun Yuan" userId="30ea8f8e1118c6fe" providerId="LiveId" clId="{C590CF02-00CD-438D-9B50-B753E2503251}" dt="2018-04-03T16:58:35.709" v="596" actId="1035"/>
+          <ac:spMkLst>
+            <pc:docMk/>
+            <pc:sldMk cId="1874161885" sldId="256"/>
+            <ac:spMk id="58" creationId="{493E9E52-B519-4D61-BBDA-8E0A75A11E52}"/>
+          </ac:spMkLst>
+        </pc:spChg>
+        <pc:spChg chg="add del mod">
+          <ac:chgData name="Chan Jun Yuan" userId="30ea8f8e1118c6fe" providerId="LiveId" clId="{C590CF02-00CD-438D-9B50-B753E2503251}" dt="2018-04-03T16:57:51.136" v="537" actId="478"/>
+          <ac:spMkLst>
+            <pc:docMk/>
+            <pc:sldMk cId="1874161885" sldId="256"/>
+            <ac:spMk id="62" creationId="{D98A3AB9-FDBE-480A-B65F-BED9140B54AC}"/>
+          </ac:spMkLst>
+        </pc:spChg>
+        <pc:spChg chg="add mod">
+          <ac:chgData name="Chan Jun Yuan" userId="30ea8f8e1118c6fe" providerId="LiveId" clId="{C590CF02-00CD-438D-9B50-B753E2503251}" dt="2018-04-03T16:58:35.709" v="596" actId="1035"/>
+          <ac:spMkLst>
+            <pc:docMk/>
+            <pc:sldMk cId="1874161885" sldId="256"/>
+            <ac:spMk id="66" creationId="{6AAC116A-9E5E-4E15-92F8-C6D1E007DEF9}"/>
+          </ac:spMkLst>
+        </pc:spChg>
+        <pc:spChg chg="add mod">
+          <ac:chgData name="Chan Jun Yuan" userId="30ea8f8e1118c6fe" providerId="LiveId" clId="{C590CF02-00CD-438D-9B50-B753E2503251}" dt="2018-04-03T17:39:41.583" v="772" actId="1076"/>
+          <ac:spMkLst>
+            <pc:docMk/>
+            <pc:sldMk cId="1874161885" sldId="256"/>
+            <ac:spMk id="74" creationId="{8F146B7A-A029-4891-B466-BC9CCCA8CEB6}"/>
+          </ac:spMkLst>
+        </pc:spChg>
+        <pc:spChg chg="add mod">
+          <ac:chgData name="Chan Jun Yuan" userId="30ea8f8e1118c6fe" providerId="LiveId" clId="{C590CF02-00CD-438D-9B50-B753E2503251}" dt="2018-04-03T17:40:28.269" v="784" actId="14100"/>
+          <ac:spMkLst>
+            <pc:docMk/>
+            <pc:sldMk cId="1874161885" sldId="256"/>
+            <ac:spMk id="76" creationId="{A5F4D4C6-2DE9-4D4F-8B3B-9CC2DB8DCC4B}"/>
+          </ac:spMkLst>
+        </pc:spChg>
+        <pc:spChg chg="add mod">
+          <ac:chgData name="Chan Jun Yuan" userId="30ea8f8e1118c6fe" providerId="LiveId" clId="{C590CF02-00CD-438D-9B50-B753E2503251}" dt="2018-04-03T17:40:03.883" v="777" actId="1076"/>
+          <ac:spMkLst>
+            <pc:docMk/>
+            <pc:sldMk cId="1874161885" sldId="256"/>
+            <ac:spMk id="78" creationId="{41702598-DD6A-47D7-9FFB-718D52A6FFD8}"/>
           </ac:spMkLst>
         </pc:spChg>
         <pc:spChg chg="del">
@@ -392,7 +480,7 @@
           </ac:spMkLst>
         </pc:spChg>
         <pc:spChg chg="add mod">
-          <ac:chgData name="Chan Jun Yuan" userId="30ea8f8e1118c6fe" providerId="LiveId" clId="{C590CF02-00CD-438D-9B50-B753E2503251}" dt="2018-04-03T09:47:49.661" v="104" actId="1076"/>
+          <ac:chgData name="Chan Jun Yuan" userId="30ea8f8e1118c6fe" providerId="LiveId" clId="{C590CF02-00CD-438D-9B50-B753E2503251}" dt="2018-04-03T17:38:56.174" v="766" actId="1076"/>
           <ac:spMkLst>
             <pc:docMk/>
             <pc:sldMk cId="1874161885" sldId="256"/>
@@ -400,7 +488,7 @@
           </ac:spMkLst>
         </pc:spChg>
         <pc:spChg chg="add mod">
-          <ac:chgData name="Chan Jun Yuan" userId="30ea8f8e1118c6fe" providerId="LiveId" clId="{C590CF02-00CD-438D-9B50-B753E2503251}" dt="2018-04-03T09:47:49.661" v="104" actId="1076"/>
+          <ac:chgData name="Chan Jun Yuan" userId="30ea8f8e1118c6fe" providerId="LiveId" clId="{C590CF02-00CD-438D-9B50-B753E2503251}" dt="2018-04-03T17:38:56.174" v="766" actId="1076"/>
           <ac:spMkLst>
             <pc:docMk/>
             <pc:sldMk cId="1874161885" sldId="256"/>
@@ -408,7 +496,7 @@
           </ac:spMkLst>
         </pc:spChg>
         <pc:spChg chg="add mod">
-          <ac:chgData name="Chan Jun Yuan" userId="30ea8f8e1118c6fe" providerId="LiveId" clId="{C590CF02-00CD-438D-9B50-B753E2503251}" dt="2018-04-03T09:47:49.661" v="104" actId="1076"/>
+          <ac:chgData name="Chan Jun Yuan" userId="30ea8f8e1118c6fe" providerId="LiveId" clId="{C590CF02-00CD-438D-9B50-B753E2503251}" dt="2018-04-03T17:38:56.174" v="766" actId="1076"/>
           <ac:spMkLst>
             <pc:docMk/>
             <pc:sldMk cId="1874161885" sldId="256"/>
@@ -416,7 +504,7 @@
           </ac:spMkLst>
         </pc:spChg>
         <pc:spChg chg="add mod">
-          <ac:chgData name="Chan Jun Yuan" userId="30ea8f8e1118c6fe" providerId="LiveId" clId="{C590CF02-00CD-438D-9B50-B753E2503251}" dt="2018-04-03T09:47:49.661" v="104" actId="1076"/>
+          <ac:chgData name="Chan Jun Yuan" userId="30ea8f8e1118c6fe" providerId="LiveId" clId="{C590CF02-00CD-438D-9B50-B753E2503251}" dt="2018-04-03T17:38:56.174" v="766" actId="1076"/>
           <ac:spMkLst>
             <pc:docMk/>
             <pc:sldMk cId="1874161885" sldId="256"/>
@@ -424,7 +512,7 @@
           </ac:spMkLst>
         </pc:spChg>
         <pc:spChg chg="add mod">
-          <ac:chgData name="Chan Jun Yuan" userId="30ea8f8e1118c6fe" providerId="LiveId" clId="{C590CF02-00CD-438D-9B50-B753E2503251}" dt="2018-04-03T09:47:49.661" v="104" actId="1076"/>
+          <ac:chgData name="Chan Jun Yuan" userId="30ea8f8e1118c6fe" providerId="LiveId" clId="{C590CF02-00CD-438D-9B50-B753E2503251}" dt="2018-04-03T17:38:56.174" v="766" actId="1076"/>
           <ac:spMkLst>
             <pc:docMk/>
             <pc:sldMk cId="1874161885" sldId="256"/>
@@ -432,7 +520,7 @@
           </ac:spMkLst>
         </pc:spChg>
         <pc:spChg chg="add mod">
-          <ac:chgData name="Chan Jun Yuan" userId="30ea8f8e1118c6fe" providerId="LiveId" clId="{C590CF02-00CD-438D-9B50-B753E2503251}" dt="2018-04-03T09:47:49.661" v="104" actId="1076"/>
+          <ac:chgData name="Chan Jun Yuan" userId="30ea8f8e1118c6fe" providerId="LiveId" clId="{C590CF02-00CD-438D-9B50-B753E2503251}" dt="2018-04-03T17:38:56.174" v="766" actId="1076"/>
           <ac:spMkLst>
             <pc:docMk/>
             <pc:sldMk cId="1874161885" sldId="256"/>
@@ -440,7 +528,7 @@
           </ac:spMkLst>
         </pc:spChg>
         <pc:spChg chg="add mod">
-          <ac:chgData name="Chan Jun Yuan" userId="30ea8f8e1118c6fe" providerId="LiveId" clId="{C590CF02-00CD-438D-9B50-B753E2503251}" dt="2018-04-03T09:48:04.067" v="126" actId="1035"/>
+          <ac:chgData name="Chan Jun Yuan" userId="30ea8f8e1118c6fe" providerId="LiveId" clId="{C590CF02-00CD-438D-9B50-B753E2503251}" dt="2018-04-03T17:38:56.174" v="766" actId="1076"/>
           <ac:spMkLst>
             <pc:docMk/>
             <pc:sldMk cId="1874161885" sldId="256"/>
@@ -448,7 +536,7 @@
           </ac:spMkLst>
         </pc:spChg>
         <pc:spChg chg="add mod">
-          <ac:chgData name="Chan Jun Yuan" userId="30ea8f8e1118c6fe" providerId="LiveId" clId="{C590CF02-00CD-438D-9B50-B753E2503251}" dt="2018-04-03T09:48:39.350" v="154" actId="14100"/>
+          <ac:chgData name="Chan Jun Yuan" userId="30ea8f8e1118c6fe" providerId="LiveId" clId="{C590CF02-00CD-438D-9B50-B753E2503251}" dt="2018-04-03T17:38:56.174" v="766" actId="1076"/>
           <ac:spMkLst>
             <pc:docMk/>
             <pc:sldMk cId="1874161885" sldId="256"/>
@@ -456,71 +544,71 @@
           </ac:spMkLst>
         </pc:spChg>
         <pc:spChg chg="add mod">
-          <ac:chgData name="Chan Jun Yuan" userId="30ea8f8e1118c6fe" providerId="LiveId" clId="{C590CF02-00CD-438D-9B50-B753E2503251}" dt="2018-04-03T09:49:02.760" v="166" actId="20577"/>
+          <ac:chgData name="Chan Jun Yuan" userId="30ea8f8e1118c6fe" providerId="LiveId" clId="{C590CF02-00CD-438D-9B50-B753E2503251}" dt="2018-04-03T17:38:56.174" v="766" actId="1076"/>
           <ac:spMkLst>
             <pc:docMk/>
             <pc:sldMk cId="1874161885" sldId="256"/>
             <ac:spMk id="135" creationId="{5999A4B3-3C84-4F5A-8739-3159BA7EADD7}"/>
           </ac:spMkLst>
         </pc:spChg>
-        <pc:spChg chg="add mod">
-          <ac:chgData name="Chan Jun Yuan" userId="30ea8f8e1118c6fe" providerId="LiveId" clId="{C590CF02-00CD-438D-9B50-B753E2503251}" dt="2018-04-03T09:56:21.570" v="193" actId="20577"/>
+        <pc:spChg chg="add del mod">
+          <ac:chgData name="Chan Jun Yuan" userId="30ea8f8e1118c6fe" providerId="LiveId" clId="{C590CF02-00CD-438D-9B50-B753E2503251}" dt="2018-04-03T17:37:47.139" v="724" actId="478"/>
           <ac:spMkLst>
             <pc:docMk/>
             <pc:sldMk cId="1874161885" sldId="256"/>
             <ac:spMk id="136" creationId="{36D168F1-ADDC-4A2A-9F27-11D89BDABB04}"/>
           </ac:spMkLst>
         </pc:spChg>
-        <pc:spChg chg="add mod">
-          <ac:chgData name="Chan Jun Yuan" userId="30ea8f8e1118c6fe" providerId="LiveId" clId="{C590CF02-00CD-438D-9B50-B753E2503251}" dt="2018-04-03T09:56:49.008" v="226" actId="1076"/>
+        <pc:spChg chg="add del mod">
+          <ac:chgData name="Chan Jun Yuan" userId="30ea8f8e1118c6fe" providerId="LiveId" clId="{C590CF02-00CD-438D-9B50-B753E2503251}" dt="2018-04-03T17:37:54.297" v="727" actId="478"/>
           <ac:spMkLst>
             <pc:docMk/>
             <pc:sldMk cId="1874161885" sldId="256"/>
             <ac:spMk id="140" creationId="{B234847E-7F78-4EF1-81B0-C8A516E586D2}"/>
           </ac:spMkLst>
         </pc:spChg>
-        <pc:spChg chg="add mod">
-          <ac:chgData name="Chan Jun Yuan" userId="30ea8f8e1118c6fe" providerId="LiveId" clId="{C590CF02-00CD-438D-9B50-B753E2503251}" dt="2018-04-03T09:56:43.632" v="224" actId="1076"/>
+        <pc:spChg chg="add del mod">
+          <ac:chgData name="Chan Jun Yuan" userId="30ea8f8e1118c6fe" providerId="LiveId" clId="{C590CF02-00CD-438D-9B50-B753E2503251}" dt="2018-04-03T17:37:55.904" v="729" actId="478"/>
           <ac:spMkLst>
             <pc:docMk/>
             <pc:sldMk cId="1874161885" sldId="256"/>
             <ac:spMk id="142" creationId="{F0D3A3B7-7AE1-4662-8112-4B1743B80B79}"/>
           </ac:spMkLst>
         </pc:spChg>
-        <pc:spChg chg="add">
-          <ac:chgData name="Chan Jun Yuan" userId="30ea8f8e1118c6fe" providerId="LiveId" clId="{C590CF02-00CD-438D-9B50-B753E2503251}" dt="2018-04-03T09:47:22.591" v="85" actId="478"/>
+        <pc:spChg chg="add mod">
+          <ac:chgData name="Chan Jun Yuan" userId="30ea8f8e1118c6fe" providerId="LiveId" clId="{C590CF02-00CD-438D-9B50-B753E2503251}" dt="2018-04-03T16:55:54.571" v="524" actId="1076"/>
           <ac:spMkLst>
             <pc:docMk/>
             <pc:sldMk cId="1874161885" sldId="256"/>
             <ac:spMk id="145" creationId="{391155F6-064E-4699-90AD-CB99EC6EE3E8}"/>
           </ac:spMkLst>
         </pc:spChg>
-        <pc:spChg chg="add">
-          <ac:chgData name="Chan Jun Yuan" userId="30ea8f8e1118c6fe" providerId="LiveId" clId="{C590CF02-00CD-438D-9B50-B753E2503251}" dt="2018-04-03T09:47:22.591" v="85" actId="478"/>
+        <pc:spChg chg="add mod">
+          <ac:chgData name="Chan Jun Yuan" userId="30ea8f8e1118c6fe" providerId="LiveId" clId="{C590CF02-00CD-438D-9B50-B753E2503251}" dt="2018-04-03T16:59:23.112" v="641" actId="14100"/>
           <ac:spMkLst>
             <pc:docMk/>
             <pc:sldMk cId="1874161885" sldId="256"/>
             <ac:spMk id="147" creationId="{6FBCED42-8DDA-4567-B128-374FF0FBDB88}"/>
           </ac:spMkLst>
         </pc:spChg>
-        <pc:spChg chg="add mod">
-          <ac:chgData name="Chan Jun Yuan" userId="30ea8f8e1118c6fe" providerId="LiveId" clId="{C590CF02-00CD-438D-9B50-B753E2503251}" dt="2018-04-03T09:57:01.818" v="250" actId="20577"/>
+        <pc:spChg chg="add del mod">
+          <ac:chgData name="Chan Jun Yuan" userId="30ea8f8e1118c6fe" providerId="LiveId" clId="{C590CF02-00CD-438D-9B50-B753E2503251}" dt="2018-04-03T17:39:47.738" v="773" actId="478"/>
           <ac:spMkLst>
             <pc:docMk/>
             <pc:sldMk cId="1874161885" sldId="256"/>
             <ac:spMk id="148" creationId="{E0CFD288-6341-4135-AD06-7949B4ABF4FD}"/>
           </ac:spMkLst>
         </pc:spChg>
-        <pc:spChg chg="add">
-          <ac:chgData name="Chan Jun Yuan" userId="30ea8f8e1118c6fe" providerId="LiveId" clId="{C590CF02-00CD-438D-9B50-B753E2503251}" dt="2018-04-03T09:47:22.591" v="85" actId="478"/>
+        <pc:spChg chg="add del mod">
+          <ac:chgData name="Chan Jun Yuan" userId="30ea8f8e1118c6fe" providerId="LiveId" clId="{C590CF02-00CD-438D-9B50-B753E2503251}" dt="2018-04-03T17:39:29.286" v="771" actId="478"/>
           <ac:spMkLst>
             <pc:docMk/>
             <pc:sldMk cId="1874161885" sldId="256"/>
             <ac:spMk id="150" creationId="{A3793670-2CB1-4DD3-9E97-AA7F2DC95610}"/>
           </ac:spMkLst>
         </pc:spChg>
-        <pc:spChg chg="add">
-          <ac:chgData name="Chan Jun Yuan" userId="30ea8f8e1118c6fe" providerId="LiveId" clId="{C590CF02-00CD-438D-9B50-B753E2503251}" dt="2018-04-03T09:47:22.591" v="85" actId="478"/>
+        <pc:spChg chg="add del mod">
+          <ac:chgData name="Chan Jun Yuan" userId="30ea8f8e1118c6fe" providerId="LiveId" clId="{C590CF02-00CD-438D-9B50-B753E2503251}" dt="2018-04-03T17:39:29.286" v="771" actId="478"/>
           <ac:spMkLst>
             <pc:docMk/>
             <pc:sldMk cId="1874161885" sldId="256"/>
@@ -528,7 +616,7 @@
           </ac:spMkLst>
         </pc:spChg>
         <pc:spChg chg="add mod">
-          <ac:chgData name="Chan Jun Yuan" userId="30ea8f8e1118c6fe" providerId="LiveId" clId="{C590CF02-00CD-438D-9B50-B753E2503251}" dt="2018-04-03T09:57:37.808" v="277" actId="20577"/>
+          <ac:chgData name="Chan Jun Yuan" userId="30ea8f8e1118c6fe" providerId="LiveId" clId="{C590CF02-00CD-438D-9B50-B753E2503251}" dt="2018-04-03T16:55:54.571" v="524" actId="1076"/>
           <ac:spMkLst>
             <pc:docMk/>
             <pc:sldMk cId="1874161885" sldId="256"/>
@@ -567,8 +655,8 @@
             <ac:spMk id="167" creationId="{8E9E5401-A249-4F5C-9053-4351531F85F8}"/>
           </ac:spMkLst>
         </pc:spChg>
-        <pc:spChg chg="add">
-          <ac:chgData name="Chan Jun Yuan" userId="30ea8f8e1118c6fe" providerId="LiveId" clId="{C590CF02-00CD-438D-9B50-B753E2503251}" dt="2018-04-03T09:47:22.591" v="85" actId="478"/>
+        <pc:spChg chg="add mod">
+          <ac:chgData name="Chan Jun Yuan" userId="30ea8f8e1118c6fe" providerId="LiveId" clId="{C590CF02-00CD-438D-9B50-B753E2503251}" dt="2018-04-03T16:58:56.692" v="627" actId="1038"/>
           <ac:spMkLst>
             <pc:docMk/>
             <pc:sldMk cId="1874161885" sldId="256"/>
@@ -591,8 +679,32 @@
             <ac:spMk id="178" creationId="{138CF01C-F430-48EE-8085-46B516624BC4}"/>
           </ac:spMkLst>
         </pc:spChg>
-        <pc:grpChg chg="add">
-          <ac:chgData name="Chan Jun Yuan" userId="30ea8f8e1118c6fe" providerId="LiveId" clId="{C590CF02-00CD-438D-9B50-B753E2503251}" dt="2018-04-03T09:47:22.591" v="85" actId="478"/>
+        <pc:grpChg chg="add mod">
+          <ac:chgData name="Chan Jun Yuan" userId="30ea8f8e1118c6fe" providerId="LiveId" clId="{C590CF02-00CD-438D-9B50-B753E2503251}" dt="2018-04-03T16:58:23.197" v="566" actId="1035"/>
+          <ac:grpSpMkLst>
+            <pc:docMk/>
+            <pc:sldMk cId="1874161885" sldId="256"/>
+            <ac:grpSpMk id="55" creationId="{E73A5A15-76FB-485D-B26C-B9BCD033CAF0}"/>
+          </ac:grpSpMkLst>
+        </pc:grpChg>
+        <pc:grpChg chg="add del mod">
+          <ac:chgData name="Chan Jun Yuan" userId="30ea8f8e1118c6fe" providerId="LiveId" clId="{C590CF02-00CD-438D-9B50-B753E2503251}" dt="2018-04-03T16:57:49.557" v="535" actId="478"/>
+          <ac:grpSpMkLst>
+            <pc:docMk/>
+            <pc:sldMk cId="1874161885" sldId="256"/>
+            <ac:grpSpMk id="59" creationId="{685BC04A-D1A6-49E3-8F29-FBA6F50D1A7C}"/>
+          </ac:grpSpMkLst>
+        </pc:grpChg>
+        <pc:grpChg chg="add mod">
+          <ac:chgData name="Chan Jun Yuan" userId="30ea8f8e1118c6fe" providerId="LiveId" clId="{C590CF02-00CD-438D-9B50-B753E2503251}" dt="2018-04-03T16:58:27.568" v="579" actId="1035"/>
+          <ac:grpSpMkLst>
+            <pc:docMk/>
+            <pc:sldMk cId="1874161885" sldId="256"/>
+            <ac:grpSpMk id="63" creationId="{FCA735F4-006A-44E1-B333-2EAD48AFBEA9}"/>
+          </ac:grpSpMkLst>
+        </pc:grpChg>
+        <pc:grpChg chg="add mod">
+          <ac:chgData name="Chan Jun Yuan" userId="30ea8f8e1118c6fe" providerId="LiveId" clId="{C590CF02-00CD-438D-9B50-B753E2503251}" dt="2018-04-03T17:38:56.174" v="766" actId="1076"/>
           <ac:grpSpMkLst>
             <pc:docMk/>
             <pc:sldMk cId="1874161885" sldId="256"/>
@@ -607,8 +719,8 @@
             <ac:grpSpMk id="164" creationId="{7F98E162-E4B1-4A4D-B14A-EA918EA38857}"/>
           </ac:grpSpMkLst>
         </pc:grpChg>
-        <pc:grpChg chg="add">
-          <ac:chgData name="Chan Jun Yuan" userId="30ea8f8e1118c6fe" providerId="LiveId" clId="{C590CF02-00CD-438D-9B50-B753E2503251}" dt="2018-04-03T09:47:22.591" v="85" actId="478"/>
+        <pc:grpChg chg="add mod">
+          <ac:chgData name="Chan Jun Yuan" userId="30ea8f8e1118c6fe" providerId="LiveId" clId="{C590CF02-00CD-438D-9B50-B753E2503251}" dt="2018-04-03T16:58:52.367" v="618" actId="1076"/>
           <ac:grpSpMkLst>
             <pc:docMk/>
             <pc:sldMk cId="1874161885" sldId="256"/>
@@ -735,12 +847,28 @@
             <ac:cxnSpMk id="47" creationId="{584DADAE-EB21-4CB3-B368-B77DC613A318}"/>
           </ac:cxnSpMkLst>
         </pc:cxnChg>
+        <pc:cxnChg chg="add mod">
+          <ac:chgData name="Chan Jun Yuan" userId="30ea8f8e1118c6fe" providerId="LiveId" clId="{C590CF02-00CD-438D-9B50-B753E2503251}" dt="2018-04-03T16:55:54.571" v="524" actId="1076"/>
+          <ac:cxnSpMkLst>
+            <pc:docMk/>
+            <pc:sldMk cId="1874161885" sldId="256"/>
+            <ac:cxnSpMk id="48" creationId="{C2438903-20E6-42CE-9558-0FFC8D5D8A78}"/>
+          </ac:cxnSpMkLst>
+        </pc:cxnChg>
         <pc:cxnChg chg="del mod">
           <ac:chgData name="Chan Jun Yuan" userId="30ea8f8e1118c6fe" providerId="LiveId" clId="{C590CF02-00CD-438D-9B50-B753E2503251}" dt="2018-04-03T09:47:22.151" v="84" actId="478"/>
           <ac:cxnSpMkLst>
             <pc:docMk/>
             <pc:sldMk cId="1874161885" sldId="256"/>
             <ac:cxnSpMk id="50" creationId="{2FFEF8DE-75E4-4D81-AEDD-BCE7DD48D391}"/>
+          </ac:cxnSpMkLst>
+        </pc:cxnChg>
+        <pc:cxnChg chg="add mod">
+          <ac:chgData name="Chan Jun Yuan" userId="30ea8f8e1118c6fe" providerId="LiveId" clId="{C590CF02-00CD-438D-9B50-B753E2503251}" dt="2018-04-03T16:55:54.571" v="524" actId="1076"/>
+          <ac:cxnSpMkLst>
+            <pc:docMk/>
+            <pc:sldMk cId="1874161885" sldId="256"/>
+            <ac:cxnSpMk id="50" creationId="{CCDCF1E0-802E-41CE-8F1A-6ECAF35E8DB5}"/>
           </ac:cxnSpMkLst>
         </pc:cxnChg>
         <pc:cxnChg chg="del">
@@ -751,12 +879,44 @@
             <ac:cxnSpMk id="51" creationId="{A13405F8-C2D6-4286-8946-D86E99311263}"/>
           </ac:cxnSpMkLst>
         </pc:cxnChg>
+        <pc:cxnChg chg="add mod">
+          <ac:chgData name="Chan Jun Yuan" userId="30ea8f8e1118c6fe" providerId="LiveId" clId="{C590CF02-00CD-438D-9B50-B753E2503251}" dt="2018-04-03T16:58:44.407" v="617" actId="1035"/>
+          <ac:cxnSpMkLst>
+            <pc:docMk/>
+            <pc:sldMk cId="1874161885" sldId="256"/>
+            <ac:cxnSpMk id="67" creationId="{E8EDA4F2-1E84-4D74-B6BA-3D3173B4BF8A}"/>
+          </ac:cxnSpMkLst>
+        </pc:cxnChg>
+        <pc:cxnChg chg="add mod">
+          <ac:chgData name="Chan Jun Yuan" userId="30ea8f8e1118c6fe" providerId="LiveId" clId="{C590CF02-00CD-438D-9B50-B753E2503251}" dt="2018-04-03T17:40:31.177" v="785" actId="14100"/>
+          <ac:cxnSpMkLst>
+            <pc:docMk/>
+            <pc:sldMk cId="1874161885" sldId="256"/>
+            <ac:cxnSpMk id="75" creationId="{D985E523-34FF-4E58-BE1E-47B00AC984EF}"/>
+          </ac:cxnSpMkLst>
+        </pc:cxnChg>
+        <pc:cxnChg chg="add mod">
+          <ac:chgData name="Chan Jun Yuan" userId="30ea8f8e1118c6fe" providerId="LiveId" clId="{C590CF02-00CD-438D-9B50-B753E2503251}" dt="2018-04-03T17:40:08.389" v="778" actId="14100"/>
+          <ac:cxnSpMkLst>
+            <pc:docMk/>
+            <pc:sldMk cId="1874161885" sldId="256"/>
+            <ac:cxnSpMk id="77" creationId="{631938A5-CCE6-4A07-93FD-077A9E3510E7}"/>
+          </ac:cxnSpMkLst>
+        </pc:cxnChg>
         <pc:cxnChg chg="del">
           <ac:chgData name="Chan Jun Yuan" userId="30ea8f8e1118c6fe" providerId="LiveId" clId="{C590CF02-00CD-438D-9B50-B753E2503251}" dt="2018-04-03T09:47:22.151" v="84" actId="478"/>
           <ac:cxnSpMkLst>
             <pc:docMk/>
             <pc:sldMk cId="1874161885" sldId="256"/>
             <ac:cxnSpMk id="79" creationId="{99A97994-AC7D-414E-ADDB-D776941227AC}"/>
+          </ac:cxnSpMkLst>
+        </pc:cxnChg>
+        <pc:cxnChg chg="add mod">
+          <ac:chgData name="Chan Jun Yuan" userId="30ea8f8e1118c6fe" providerId="LiveId" clId="{C590CF02-00CD-438D-9B50-B753E2503251}" dt="2018-04-03T17:40:50.867" v="817" actId="1036"/>
+          <ac:cxnSpMkLst>
+            <pc:docMk/>
+            <pc:sldMk cId="1874161885" sldId="256"/>
+            <ac:cxnSpMk id="80" creationId="{A8F4A2B4-9CE0-4D45-9A60-B144927484FB}"/>
           </ac:cxnSpMkLst>
         </pc:cxnChg>
         <pc:cxnChg chg="del mod">
@@ -816,7 +976,7 @@
           </ac:cxnSpMkLst>
         </pc:cxnChg>
         <pc:cxnChg chg="add mod">
-          <ac:chgData name="Chan Jun Yuan" userId="30ea8f8e1118c6fe" providerId="LiveId" clId="{C590CF02-00CD-438D-9B50-B753E2503251}" dt="2018-04-03T09:47:49.661" v="104" actId="1076"/>
+          <ac:chgData name="Chan Jun Yuan" userId="30ea8f8e1118c6fe" providerId="LiveId" clId="{C590CF02-00CD-438D-9B50-B753E2503251}" dt="2018-04-03T17:38:56.174" v="766" actId="1076"/>
           <ac:cxnSpMkLst>
             <pc:docMk/>
             <pc:sldMk cId="1874161885" sldId="256"/>
@@ -824,7 +984,7 @@
           </ac:cxnSpMkLst>
         </pc:cxnChg>
         <pc:cxnChg chg="add mod">
-          <ac:chgData name="Chan Jun Yuan" userId="30ea8f8e1118c6fe" providerId="LiveId" clId="{C590CF02-00CD-438D-9B50-B753E2503251}" dt="2018-04-03T09:47:49.661" v="104" actId="1076"/>
+          <ac:chgData name="Chan Jun Yuan" userId="30ea8f8e1118c6fe" providerId="LiveId" clId="{C590CF02-00CD-438D-9B50-B753E2503251}" dt="2018-04-03T17:38:56.174" v="766" actId="1076"/>
           <ac:cxnSpMkLst>
             <pc:docMk/>
             <pc:sldMk cId="1874161885" sldId="256"/>
@@ -832,7 +992,7 @@
           </ac:cxnSpMkLst>
         </pc:cxnChg>
         <pc:cxnChg chg="add mod">
-          <ac:chgData name="Chan Jun Yuan" userId="30ea8f8e1118c6fe" providerId="LiveId" clId="{C590CF02-00CD-438D-9B50-B753E2503251}" dt="2018-04-03T09:47:49.661" v="104" actId="1076"/>
+          <ac:chgData name="Chan Jun Yuan" userId="30ea8f8e1118c6fe" providerId="LiveId" clId="{C590CF02-00CD-438D-9B50-B753E2503251}" dt="2018-04-03T17:38:56.174" v="766" actId="1076"/>
           <ac:cxnSpMkLst>
             <pc:docMk/>
             <pc:sldMk cId="1874161885" sldId="256"/>
@@ -840,7 +1000,7 @@
           </ac:cxnSpMkLst>
         </pc:cxnChg>
         <pc:cxnChg chg="add mod">
-          <ac:chgData name="Chan Jun Yuan" userId="30ea8f8e1118c6fe" providerId="LiveId" clId="{C590CF02-00CD-438D-9B50-B753E2503251}" dt="2018-04-03T09:48:17.671" v="135" actId="14100"/>
+          <ac:chgData name="Chan Jun Yuan" userId="30ea8f8e1118c6fe" providerId="LiveId" clId="{C590CF02-00CD-438D-9B50-B753E2503251}" dt="2018-04-03T17:38:56.174" v="766" actId="1076"/>
           <ac:cxnSpMkLst>
             <pc:docMk/>
             <pc:sldMk cId="1874161885" sldId="256"/>
@@ -848,7 +1008,7 @@
           </ac:cxnSpMkLst>
         </pc:cxnChg>
         <pc:cxnChg chg="add mod">
-          <ac:chgData name="Chan Jun Yuan" userId="30ea8f8e1118c6fe" providerId="LiveId" clId="{C590CF02-00CD-438D-9B50-B753E2503251}" dt="2018-04-03T09:47:49.661" v="104" actId="1076"/>
+          <ac:chgData name="Chan Jun Yuan" userId="30ea8f8e1118c6fe" providerId="LiveId" clId="{C590CF02-00CD-438D-9B50-B753E2503251}" dt="2018-04-03T17:38:56.174" v="766" actId="1076"/>
           <ac:cxnSpMkLst>
             <pc:docMk/>
             <pc:sldMk cId="1874161885" sldId="256"/>
@@ -856,7 +1016,7 @@
           </ac:cxnSpMkLst>
         </pc:cxnChg>
         <pc:cxnChg chg="add mod">
-          <ac:chgData name="Chan Jun Yuan" userId="30ea8f8e1118c6fe" providerId="LiveId" clId="{C590CF02-00CD-438D-9B50-B753E2503251}" dt="2018-04-03T09:47:49.661" v="104" actId="1076"/>
+          <ac:chgData name="Chan Jun Yuan" userId="30ea8f8e1118c6fe" providerId="LiveId" clId="{C590CF02-00CD-438D-9B50-B753E2503251}" dt="2018-04-03T17:38:56.174" v="766" actId="1076"/>
           <ac:cxnSpMkLst>
             <pc:docMk/>
             <pc:sldMk cId="1874161885" sldId="256"/>
@@ -864,7 +1024,7 @@
           </ac:cxnSpMkLst>
         </pc:cxnChg>
         <pc:cxnChg chg="add mod">
-          <ac:chgData name="Chan Jun Yuan" userId="30ea8f8e1118c6fe" providerId="LiveId" clId="{C590CF02-00CD-438D-9B50-B753E2503251}" dt="2018-04-03T09:47:49.661" v="104" actId="1076"/>
+          <ac:chgData name="Chan Jun Yuan" userId="30ea8f8e1118c6fe" providerId="LiveId" clId="{C590CF02-00CD-438D-9B50-B753E2503251}" dt="2018-04-03T17:38:56.174" v="766" actId="1076"/>
           <ac:cxnSpMkLst>
             <pc:docMk/>
             <pc:sldMk cId="1874161885" sldId="256"/>
@@ -872,7 +1032,7 @@
           </ac:cxnSpMkLst>
         </pc:cxnChg>
         <pc:cxnChg chg="add mod">
-          <ac:chgData name="Chan Jun Yuan" userId="30ea8f8e1118c6fe" providerId="LiveId" clId="{C590CF02-00CD-438D-9B50-B753E2503251}" dt="2018-04-03T09:47:49.661" v="104" actId="1076"/>
+          <ac:chgData name="Chan Jun Yuan" userId="30ea8f8e1118c6fe" providerId="LiveId" clId="{C590CF02-00CD-438D-9B50-B753E2503251}" dt="2018-04-03T17:38:56.174" v="766" actId="1076"/>
           <ac:cxnSpMkLst>
             <pc:docMk/>
             <pc:sldMk cId="1874161885" sldId="256"/>
@@ -880,87 +1040,87 @@
           </ac:cxnSpMkLst>
         </pc:cxnChg>
         <pc:cxnChg chg="add mod">
-          <ac:chgData name="Chan Jun Yuan" userId="30ea8f8e1118c6fe" providerId="LiveId" clId="{C590CF02-00CD-438D-9B50-B753E2503251}" dt="2018-04-03T09:49:23.791" v="169" actId="14100"/>
+          <ac:chgData name="Chan Jun Yuan" userId="30ea8f8e1118c6fe" providerId="LiveId" clId="{C590CF02-00CD-438D-9B50-B753E2503251}" dt="2018-04-03T17:38:56.174" v="766" actId="1076"/>
           <ac:cxnSpMkLst>
             <pc:docMk/>
             <pc:sldMk cId="1874161885" sldId="256"/>
             <ac:cxnSpMk id="139" creationId="{D98CB587-3AD9-453D-B930-F8988B1F05DA}"/>
           </ac:cxnSpMkLst>
         </pc:cxnChg>
-        <pc:cxnChg chg="add mod">
-          <ac:chgData name="Chan Jun Yuan" userId="30ea8f8e1118c6fe" providerId="LiveId" clId="{C590CF02-00CD-438D-9B50-B753E2503251}" dt="2018-04-03T09:56:46.349" v="225" actId="1076"/>
+        <pc:cxnChg chg="add del mod">
+          <ac:chgData name="Chan Jun Yuan" userId="30ea8f8e1118c6fe" providerId="LiveId" clId="{C590CF02-00CD-438D-9B50-B753E2503251}" dt="2018-04-03T17:37:55.068" v="728" actId="478"/>
           <ac:cxnSpMkLst>
             <pc:docMk/>
             <pc:sldMk cId="1874161885" sldId="256"/>
             <ac:cxnSpMk id="141" creationId="{246D6B18-72F7-41A2-8813-786B870C0E94}"/>
           </ac:cxnSpMkLst>
         </pc:cxnChg>
-        <pc:cxnChg chg="add mod">
-          <ac:chgData name="Chan Jun Yuan" userId="30ea8f8e1118c6fe" providerId="LiveId" clId="{C590CF02-00CD-438D-9B50-B753E2503251}" dt="2018-04-03T09:56:29.671" v="194" actId="14100"/>
+        <pc:cxnChg chg="add del mod">
+          <ac:chgData name="Chan Jun Yuan" userId="30ea8f8e1118c6fe" providerId="LiveId" clId="{C590CF02-00CD-438D-9B50-B753E2503251}" dt="2018-04-03T17:37:52.215" v="725" actId="478"/>
           <ac:cxnSpMkLst>
             <pc:docMk/>
             <pc:sldMk cId="1874161885" sldId="256"/>
             <ac:cxnSpMk id="143" creationId="{6BC3B6B3-E728-43FF-81ED-DD2102948443}"/>
           </ac:cxnSpMkLst>
         </pc:cxnChg>
-        <pc:cxnChg chg="add mod">
-          <ac:chgData name="Chan Jun Yuan" userId="30ea8f8e1118c6fe" providerId="LiveId" clId="{C590CF02-00CD-438D-9B50-B753E2503251}" dt="2018-04-03T09:56:32.650" v="195" actId="14100"/>
+        <pc:cxnChg chg="add del mod">
+          <ac:chgData name="Chan Jun Yuan" userId="30ea8f8e1118c6fe" providerId="LiveId" clId="{C590CF02-00CD-438D-9B50-B753E2503251}" dt="2018-04-03T17:37:53.031" v="726" actId="478"/>
           <ac:cxnSpMkLst>
             <pc:docMk/>
             <pc:sldMk cId="1874161885" sldId="256"/>
             <ac:cxnSpMk id="144" creationId="{7109A1C1-2791-463B-991B-750EF9723C28}"/>
           </ac:cxnSpMkLst>
         </pc:cxnChg>
-        <pc:cxnChg chg="add">
-          <ac:chgData name="Chan Jun Yuan" userId="30ea8f8e1118c6fe" providerId="LiveId" clId="{C590CF02-00CD-438D-9B50-B753E2503251}" dt="2018-04-03T09:47:22.591" v="85" actId="478"/>
+        <pc:cxnChg chg="add mod">
+          <ac:chgData name="Chan Jun Yuan" userId="30ea8f8e1118c6fe" providerId="LiveId" clId="{C590CF02-00CD-438D-9B50-B753E2503251}" dt="2018-04-03T16:59:26.270" v="642" actId="14100"/>
           <ac:cxnSpMkLst>
             <pc:docMk/>
             <pc:sldMk cId="1874161885" sldId="256"/>
             <ac:cxnSpMk id="146" creationId="{B8D224BA-59FB-4AEF-941D-F3F46299EF54}"/>
           </ac:cxnSpMkLst>
         </pc:cxnChg>
-        <pc:cxnChg chg="add">
-          <ac:chgData name="Chan Jun Yuan" userId="30ea8f8e1118c6fe" providerId="LiveId" clId="{C590CF02-00CD-438D-9B50-B753E2503251}" dt="2018-04-03T09:47:22.591" v="85" actId="478"/>
+        <pc:cxnChg chg="add mod">
+          <ac:chgData name="Chan Jun Yuan" userId="30ea8f8e1118c6fe" providerId="LiveId" clId="{C590CF02-00CD-438D-9B50-B753E2503251}" dt="2018-04-03T16:59:35.836" v="651" actId="1036"/>
           <ac:cxnSpMkLst>
             <pc:docMk/>
             <pc:sldMk cId="1874161885" sldId="256"/>
             <ac:cxnSpMk id="149" creationId="{D9EF9969-00B7-4E93-8877-A452C4F271F3}"/>
           </ac:cxnSpMkLst>
         </pc:cxnChg>
-        <pc:cxnChg chg="add">
-          <ac:chgData name="Chan Jun Yuan" userId="30ea8f8e1118c6fe" providerId="LiveId" clId="{C590CF02-00CD-438D-9B50-B753E2503251}" dt="2018-04-03T09:47:22.591" v="85" actId="478"/>
+        <pc:cxnChg chg="add del mod">
+          <ac:chgData name="Chan Jun Yuan" userId="30ea8f8e1118c6fe" providerId="LiveId" clId="{C590CF02-00CD-438D-9B50-B753E2503251}" dt="2018-04-03T17:39:29.286" v="771" actId="478"/>
           <ac:cxnSpMkLst>
             <pc:docMk/>
             <pc:sldMk cId="1874161885" sldId="256"/>
             <ac:cxnSpMk id="151" creationId="{74DF10CD-4789-46D1-AD2E-D46AE19F6FD8}"/>
           </ac:cxnSpMkLst>
         </pc:cxnChg>
-        <pc:cxnChg chg="add">
-          <ac:chgData name="Chan Jun Yuan" userId="30ea8f8e1118c6fe" providerId="LiveId" clId="{C590CF02-00CD-438D-9B50-B753E2503251}" dt="2018-04-03T09:47:22.591" v="85" actId="478"/>
+        <pc:cxnChg chg="add del mod">
+          <ac:chgData name="Chan Jun Yuan" userId="30ea8f8e1118c6fe" providerId="LiveId" clId="{C590CF02-00CD-438D-9B50-B753E2503251}" dt="2018-04-03T17:39:47.738" v="773" actId="478"/>
           <ac:cxnSpMkLst>
             <pc:docMk/>
             <pc:sldMk cId="1874161885" sldId="256"/>
             <ac:cxnSpMk id="153" creationId="{6C6892A4-E916-4FAD-93D3-329842C94F8E}"/>
           </ac:cxnSpMkLst>
         </pc:cxnChg>
-        <pc:cxnChg chg="add">
-          <ac:chgData name="Chan Jun Yuan" userId="30ea8f8e1118c6fe" providerId="LiveId" clId="{C590CF02-00CD-438D-9B50-B753E2503251}" dt="2018-04-03T09:47:22.591" v="85" actId="478"/>
+        <pc:cxnChg chg="add del mod">
+          <ac:chgData name="Chan Jun Yuan" userId="30ea8f8e1118c6fe" providerId="LiveId" clId="{C590CF02-00CD-438D-9B50-B753E2503251}" dt="2018-04-03T17:40:12.211" v="779" actId="478"/>
           <ac:cxnSpMkLst>
             <pc:docMk/>
             <pc:sldMk cId="1874161885" sldId="256"/>
             <ac:cxnSpMk id="154" creationId="{BC11D336-CF2C-4D88-B284-AD687A1EFFA0}"/>
           </ac:cxnSpMkLst>
         </pc:cxnChg>
-        <pc:cxnChg chg="add">
-          <ac:chgData name="Chan Jun Yuan" userId="30ea8f8e1118c6fe" providerId="LiveId" clId="{C590CF02-00CD-438D-9B50-B753E2503251}" dt="2018-04-03T09:47:22.591" v="85" actId="478"/>
+        <pc:cxnChg chg="add mod">
+          <ac:chgData name="Chan Jun Yuan" userId="30ea8f8e1118c6fe" providerId="LiveId" clId="{C590CF02-00CD-438D-9B50-B753E2503251}" dt="2018-04-03T16:55:54.571" v="524" actId="1076"/>
           <ac:cxnSpMkLst>
             <pc:docMk/>
             <pc:sldMk cId="1874161885" sldId="256"/>
             <ac:cxnSpMk id="155" creationId="{80B9CB64-E7BF-40FC-B5D7-0E91ADA73E35}"/>
           </ac:cxnSpMkLst>
         </pc:cxnChg>
-        <pc:cxnChg chg="add">
-          <ac:chgData name="Chan Jun Yuan" userId="30ea8f8e1118c6fe" providerId="LiveId" clId="{C590CF02-00CD-438D-9B50-B753E2503251}" dt="2018-04-03T09:47:22.591" v="85" actId="478"/>
+        <pc:cxnChg chg="add mod">
+          <ac:chgData name="Chan Jun Yuan" userId="30ea8f8e1118c6fe" providerId="LiveId" clId="{C590CF02-00CD-438D-9B50-B753E2503251}" dt="2018-04-03T17:38:56.174" v="766" actId="1076"/>
           <ac:cxnSpMkLst>
             <pc:docMk/>
             <pc:sldMk cId="1874161885" sldId="256"/>
@@ -1146,7 +1306,7 @@
           <a:p>
             <a:fld id="{16DFA82E-9DFA-4A36-A661-090EABAF6E88}" type="datetimeFigureOut">
               <a:rPr lang="en-SG" smtClean="0"/>
-              <a:t>3/4/2018</a:t>
+              <a:t>4/4/2018</a:t>
             </a:fld>
             <a:endParaRPr lang="en-SG"/>
           </a:p>
@@ -1346,7 +1506,7 @@
           <a:p>
             <a:fld id="{16DFA82E-9DFA-4A36-A661-090EABAF6E88}" type="datetimeFigureOut">
               <a:rPr lang="en-SG" smtClean="0"/>
-              <a:t>3/4/2018</a:t>
+              <a:t>4/4/2018</a:t>
             </a:fld>
             <a:endParaRPr lang="en-SG"/>
           </a:p>
@@ -1556,7 +1716,7 @@
           <a:p>
             <a:fld id="{16DFA82E-9DFA-4A36-A661-090EABAF6E88}" type="datetimeFigureOut">
               <a:rPr lang="en-SG" smtClean="0"/>
-              <a:t>3/4/2018</a:t>
+              <a:t>4/4/2018</a:t>
             </a:fld>
             <a:endParaRPr lang="en-SG"/>
           </a:p>
@@ -1756,7 +1916,7 @@
           <a:p>
             <a:fld id="{16DFA82E-9DFA-4A36-A661-090EABAF6E88}" type="datetimeFigureOut">
               <a:rPr lang="en-SG" smtClean="0"/>
-              <a:t>3/4/2018</a:t>
+              <a:t>4/4/2018</a:t>
             </a:fld>
             <a:endParaRPr lang="en-SG"/>
           </a:p>
@@ -2032,7 +2192,7 @@
           <a:p>
             <a:fld id="{16DFA82E-9DFA-4A36-A661-090EABAF6E88}" type="datetimeFigureOut">
               <a:rPr lang="en-SG" smtClean="0"/>
-              <a:t>3/4/2018</a:t>
+              <a:t>4/4/2018</a:t>
             </a:fld>
             <a:endParaRPr lang="en-SG"/>
           </a:p>
@@ -2300,7 +2460,7 @@
           <a:p>
             <a:fld id="{16DFA82E-9DFA-4A36-A661-090EABAF6E88}" type="datetimeFigureOut">
               <a:rPr lang="en-SG" smtClean="0"/>
-              <a:t>3/4/2018</a:t>
+              <a:t>4/4/2018</a:t>
             </a:fld>
             <a:endParaRPr lang="en-SG"/>
           </a:p>
@@ -2715,7 +2875,7 @@
           <a:p>
             <a:fld id="{16DFA82E-9DFA-4A36-A661-090EABAF6E88}" type="datetimeFigureOut">
               <a:rPr lang="en-SG" smtClean="0"/>
-              <a:t>3/4/2018</a:t>
+              <a:t>4/4/2018</a:t>
             </a:fld>
             <a:endParaRPr lang="en-SG"/>
           </a:p>
@@ -2857,7 +3017,7 @@
           <a:p>
             <a:fld id="{16DFA82E-9DFA-4A36-A661-090EABAF6E88}" type="datetimeFigureOut">
               <a:rPr lang="en-SG" smtClean="0"/>
-              <a:t>3/4/2018</a:t>
+              <a:t>4/4/2018</a:t>
             </a:fld>
             <a:endParaRPr lang="en-SG"/>
           </a:p>
@@ -2970,7 +3130,7 @@
           <a:p>
             <a:fld id="{16DFA82E-9DFA-4A36-A661-090EABAF6E88}" type="datetimeFigureOut">
               <a:rPr lang="en-SG" smtClean="0"/>
-              <a:t>3/4/2018</a:t>
+              <a:t>4/4/2018</a:t>
             </a:fld>
             <a:endParaRPr lang="en-SG"/>
           </a:p>
@@ -3283,7 +3443,7 @@
           <a:p>
             <a:fld id="{16DFA82E-9DFA-4A36-A661-090EABAF6E88}" type="datetimeFigureOut">
               <a:rPr lang="en-SG" smtClean="0"/>
-              <a:t>3/4/2018</a:t>
+              <a:t>4/4/2018</a:t>
             </a:fld>
             <a:endParaRPr lang="en-SG"/>
           </a:p>
@@ -3572,7 +3732,7 @@
           <a:p>
             <a:fld id="{16DFA82E-9DFA-4A36-A661-090EABAF6E88}" type="datetimeFigureOut">
               <a:rPr lang="en-SG" smtClean="0"/>
-              <a:t>3/4/2018</a:t>
+              <a:t>4/4/2018</a:t>
             </a:fld>
             <a:endParaRPr lang="en-SG"/>
           </a:p>
@@ -3815,7 +3975,7 @@
           <a:p>
             <a:fld id="{16DFA82E-9DFA-4A36-A661-090EABAF6E88}" type="datetimeFigureOut">
               <a:rPr lang="en-SG" smtClean="0"/>
-              <a:t>3/4/2018</a:t>
+              <a:t>4/4/2018</a:t>
             </a:fld>
             <a:endParaRPr lang="en-SG"/>
           </a:p>
@@ -4246,7 +4406,7 @@
         </p:nvSpPr>
         <p:spPr>
           <a:xfrm>
-            <a:off x="1320058" y="567639"/>
+            <a:off x="2310658" y="654308"/>
             <a:ext cx="1093635" cy="346760"/>
           </a:xfrm>
           <a:prstGeom prst="rect">
@@ -4311,7 +4471,7 @@
         </p:nvCxnSpPr>
         <p:spPr>
           <a:xfrm>
-            <a:off x="1866875" y="931310"/>
+            <a:off x="2857475" y="1017979"/>
             <a:ext cx="0" cy="1723059"/>
           </a:xfrm>
           <a:prstGeom prst="line">
@@ -4354,7 +4514,7 @@
         </p:nvSpPr>
         <p:spPr>
           <a:xfrm>
-            <a:off x="1794867" y="1282005"/>
+            <a:off x="2785467" y="1368674"/>
             <a:ext cx="152400" cy="1019910"/>
           </a:xfrm>
           <a:prstGeom prst="rect">
@@ -4411,7 +4571,7 @@
         </p:nvGrpSpPr>
         <p:grpSpPr>
           <a:xfrm>
-            <a:off x="152400" y="533400"/>
+            <a:off x="1143000" y="620069"/>
             <a:ext cx="324036" cy="573410"/>
             <a:chOff x="3239901" y="4149080"/>
             <a:chExt cx="648072" cy="1146820"/>
@@ -4658,7 +4818,7 @@
         </p:nvSpPr>
         <p:spPr>
           <a:xfrm>
-            <a:off x="3543781" y="571326"/>
+            <a:off x="4534381" y="657995"/>
             <a:ext cx="1093635" cy="346760"/>
           </a:xfrm>
           <a:prstGeom prst="rect">
@@ -4723,7 +4883,7 @@
         </p:nvCxnSpPr>
         <p:spPr>
           <a:xfrm>
-            <a:off x="4090598" y="934997"/>
+            <a:off x="5081198" y="1021666"/>
             <a:ext cx="0" cy="1723059"/>
           </a:xfrm>
           <a:prstGeom prst="line">
@@ -4766,7 +4926,7 @@
         </p:nvSpPr>
         <p:spPr>
           <a:xfrm>
-            <a:off x="4018590" y="1393190"/>
+            <a:off x="5009190" y="1479859"/>
             <a:ext cx="144016" cy="832525"/>
           </a:xfrm>
           <a:prstGeom prst="rect">
@@ -4823,8 +4983,8 @@
         </p:nvSpPr>
         <p:spPr>
           <a:xfrm>
-            <a:off x="5524981" y="567639"/>
-            <a:ext cx="1093635" cy="346760"/>
+            <a:off x="7038228" y="654309"/>
+            <a:ext cx="1332928" cy="346760"/>
           </a:xfrm>
           <a:prstGeom prst="rect">
             <a:avLst/>
@@ -4864,7 +5024,7 @@
                   <a:schemeClr val="bg1"/>
                 </a:solidFill>
               </a:rPr>
-              <a:t>:Model</a:t>
+              <a:t>:EventsCenter</a:t>
             </a:r>
             <a:endParaRPr lang="en-SG" sz="1600" dirty="0">
               <a:solidFill>
@@ -4888,7 +5048,7 @@
         </p:nvCxnSpPr>
         <p:spPr>
           <a:xfrm>
-            <a:off x="6071798" y="931310"/>
+            <a:off x="7707812" y="1017980"/>
             <a:ext cx="0" cy="1723059"/>
           </a:xfrm>
           <a:prstGeom prst="line">
@@ -4931,7 +5091,7 @@
         </p:nvSpPr>
         <p:spPr>
           <a:xfrm>
-            <a:off x="5999790" y="1498121"/>
+            <a:off x="7635804" y="1584791"/>
             <a:ext cx="142006" cy="651394"/>
           </a:xfrm>
           <a:prstGeom prst="rect">
@@ -4990,7 +5150,7 @@
         </p:nvCxnSpPr>
         <p:spPr>
           <a:xfrm>
-            <a:off x="408940" y="1282005"/>
+            <a:off x="1399540" y="1368674"/>
             <a:ext cx="1385927" cy="0"/>
           </a:xfrm>
           <a:prstGeom prst="straightConnector1">
@@ -5032,7 +5192,7 @@
         </p:nvSpPr>
         <p:spPr>
           <a:xfrm>
-            <a:off x="455940" y="1340351"/>
+            <a:off x="1446540" y="1427020"/>
             <a:ext cx="1247658" cy="215444"/>
           </a:xfrm>
           <a:prstGeom prst="rect">
@@ -5067,7 +5227,7 @@
         </p:nvCxnSpPr>
         <p:spPr>
           <a:xfrm>
-            <a:off x="1947267" y="1393191"/>
+            <a:off x="2937867" y="1479860"/>
             <a:ext cx="2071323" cy="0"/>
           </a:xfrm>
           <a:prstGeom prst="straightConnector1">
@@ -5109,7 +5269,7 @@
         </p:nvSpPr>
         <p:spPr>
           <a:xfrm>
-            <a:off x="1983803" y="1413092"/>
+            <a:off x="2974403" y="1499761"/>
             <a:ext cx="2021581" cy="215444"/>
           </a:xfrm>
           <a:prstGeom prst="rect">
@@ -5143,13 +5303,15 @@
               </a:ext>
             </a:extLst>
           </p:cNvPr>
-          <p:cNvCxnSpPr/>
+          <p:cNvCxnSpPr>
+            <a:cxnSpLocks/>
+          </p:cNvCxnSpPr>
           <p:nvPr/>
         </p:nvCxnSpPr>
         <p:spPr>
           <a:xfrm>
-            <a:off x="4162606" y="1498122"/>
-            <a:ext cx="1837184" cy="0"/>
+            <a:off x="5140325" y="1584791"/>
+            <a:ext cx="2501906" cy="0"/>
           </a:xfrm>
           <a:prstGeom prst="straightConnector1">
             <a:avLst/>
@@ -5190,8 +5352,8 @@
         </p:nvSpPr>
         <p:spPr>
           <a:xfrm>
-            <a:off x="4507970" y="1502296"/>
-            <a:ext cx="1424846" cy="215444"/>
+            <a:off x="5176869" y="1603926"/>
+            <a:ext cx="2200059" cy="215444"/>
           </a:xfrm>
           <a:prstGeom prst="rect">
             <a:avLst/>
@@ -5210,48 +5372,7 @@
                   <a:srgbClr val="7030A0"/>
                 </a:solidFill>
               </a:rPr>
-              <a:t>encrypt(pass)</a:t>
-            </a:r>
-          </a:p>
-        </p:txBody>
-      </p:sp>
-      <p:sp>
-        <p:nvSpPr>
-          <p:cNvPr id="136" name="TextBox 135">
-            <a:extLst>
-              <a:ext uri="{FF2B5EF4-FFF2-40B4-BE49-F238E27FC236}">
-                <a16:creationId xmlns:a16="http://schemas.microsoft.com/office/drawing/2014/main" id="{36D168F1-ADDC-4A2A-9F27-11D89BDABB04}"/>
-              </a:ext>
-            </a:extLst>
-          </p:cNvPr>
-          <p:cNvSpPr txBox="1"/>
-          <p:nvPr/>
-        </p:nvSpPr>
-        <p:spPr>
-          <a:xfrm>
-            <a:off x="6208770" y="1647369"/>
-            <a:ext cx="2511858" cy="215444"/>
-          </a:xfrm>
-          <a:prstGeom prst="rect">
-            <a:avLst/>
-          </a:prstGeom>
-          <a:noFill/>
-        </p:spPr>
-        <p:txBody>
-          <a:bodyPr wrap="square" lIns="0" tIns="0" rIns="0" bIns="0" rtlCol="0">
-            <a:spAutoFit/>
-          </a:bodyPr>
-          <a:lstStyle/>
-          <a:p>
-            <a:r>
-              <a:rPr lang="en-US" sz="1400" dirty="0">
-                <a:solidFill>
-                  <a:schemeClr val="accent5">
-                    <a:lumMod val="75000"/>
-                  </a:schemeClr>
-                </a:solidFill>
-              </a:rPr>
-              <a:t>post(EncryptionRequestEvent)</a:t>
+              <a:t>Post(EncryptionRequestEvent)</a:t>
             </a:r>
           </a:p>
         </p:txBody>
@@ -5265,13 +5386,15 @@
               </a:ext>
             </a:extLst>
           </p:cNvPr>
-          <p:cNvCxnSpPr/>
+          <p:cNvCxnSpPr>
+            <a:cxnSpLocks/>
+          </p:cNvCxnSpPr>
           <p:nvPr/>
         </p:nvCxnSpPr>
         <p:spPr>
           <a:xfrm>
-            <a:off x="4162606" y="2149515"/>
-            <a:ext cx="1837184" cy="0"/>
+            <a:off x="5153206" y="2219820"/>
+            <a:ext cx="2554606" cy="0"/>
           </a:xfrm>
           <a:prstGeom prst="straightConnector1">
             <a:avLst/>
@@ -5314,7 +5437,7 @@
         </p:nvCxnSpPr>
         <p:spPr>
           <a:xfrm>
-            <a:off x="1947267" y="2225715"/>
+            <a:off x="2937867" y="2312384"/>
             <a:ext cx="2058118" cy="0"/>
           </a:xfrm>
           <a:prstGeom prst="straightConnector1">
@@ -5360,7 +5483,7 @@
         </p:nvCxnSpPr>
         <p:spPr>
           <a:xfrm>
-            <a:off x="386402" y="2301915"/>
+            <a:off x="1377002" y="2388584"/>
             <a:ext cx="1408066" cy="0"/>
           </a:xfrm>
           <a:prstGeom prst="straightConnector1">
@@ -5392,10 +5515,10 @@
       </p:cxnSp>
       <p:sp>
         <p:nvSpPr>
-          <p:cNvPr id="140" name="Rectangle 62">
-            <a:extLst>
-              <a:ext uri="{FF2B5EF4-FFF2-40B4-BE49-F238E27FC236}">
-                <a16:creationId xmlns:a16="http://schemas.microsoft.com/office/drawing/2014/main" id="{B234847E-7F78-4EF1-81B0-C8A516E586D2}"/>
+          <p:cNvPr id="145" name="Rectangle 62">
+            <a:extLst>
+              <a:ext uri="{FF2B5EF4-FFF2-40B4-BE49-F238E27FC236}">
+                <a16:creationId xmlns:a16="http://schemas.microsoft.com/office/drawing/2014/main" id="{391155F6-064E-4699-90AD-CB99EC6EE3E8}"/>
               </a:ext>
             </a:extLst>
           </p:cNvPr>
@@ -5404,274 +5527,7 @@
         </p:nvSpPr>
         <p:spPr>
           <a:xfrm>
-            <a:off x="7844987" y="538346"/>
-            <a:ext cx="1371600" cy="346760"/>
-          </a:xfrm>
-          <a:prstGeom prst="rect">
-            <a:avLst/>
-          </a:prstGeom>
-          <a:solidFill>
-            <a:schemeClr val="accent5">
-              <a:lumMod val="75000"/>
-            </a:schemeClr>
-          </a:solidFill>
-          <a:ln w="19050">
-            <a:solidFill>
-              <a:schemeClr val="accent5">
-                <a:lumMod val="75000"/>
-              </a:schemeClr>
-            </a:solidFill>
-          </a:ln>
-          <a:effectLst/>
-        </p:spPr>
-        <p:style>
-          <a:lnRef idx="1">
-            <a:schemeClr val="accent2"/>
-          </a:lnRef>
-          <a:fillRef idx="2">
-            <a:schemeClr val="accent2"/>
-          </a:fillRef>
-          <a:effectRef idx="1">
-            <a:schemeClr val="accent2"/>
-          </a:effectRef>
-          <a:fontRef idx="minor">
-            <a:schemeClr val="dk1"/>
-          </a:fontRef>
-        </p:style>
-        <p:txBody>
-          <a:bodyPr rtlCol="0" anchor="ctr"/>
-          <a:lstStyle/>
-          <a:p>
-            <a:pPr algn="ctr"/>
-            <a:r>
-              <a:rPr lang="en-US" sz="1600" dirty="0">
-                <a:solidFill>
-                  <a:schemeClr val="bg1"/>
-                </a:solidFill>
-              </a:rPr>
-              <a:t>:EventsCenter</a:t>
-            </a:r>
-            <a:endParaRPr lang="en-SG" sz="1600" dirty="0">
-              <a:solidFill>
-                <a:schemeClr val="bg1"/>
-              </a:solidFill>
-            </a:endParaRPr>
-          </a:p>
-        </p:txBody>
-      </p:sp>
-      <p:cxnSp>
-        <p:nvCxnSpPr>
-          <p:cNvPr id="141" name="Straight Connector 140">
-            <a:extLst>
-              <a:ext uri="{FF2B5EF4-FFF2-40B4-BE49-F238E27FC236}">
-                <a16:creationId xmlns:a16="http://schemas.microsoft.com/office/drawing/2014/main" id="{246D6B18-72F7-41A2-8813-786B870C0E94}"/>
-              </a:ext>
-            </a:extLst>
-          </p:cNvPr>
-          <p:cNvCxnSpPr/>
-          <p:nvPr/>
-        </p:nvCxnSpPr>
-        <p:spPr>
-          <a:xfrm>
-            <a:off x="8534816" y="893561"/>
-            <a:ext cx="0" cy="1723059"/>
-          </a:xfrm>
-          <a:prstGeom prst="line">
-            <a:avLst/>
-          </a:prstGeom>
-          <a:ln w="19050">
-            <a:solidFill>
-              <a:schemeClr val="accent5">
-                <a:lumMod val="75000"/>
-              </a:schemeClr>
-            </a:solidFill>
-            <a:prstDash val="sysDash"/>
-          </a:ln>
-          <a:effectLst/>
-        </p:spPr>
-        <p:style>
-          <a:lnRef idx="1">
-            <a:schemeClr val="accent1"/>
-          </a:lnRef>
-          <a:fillRef idx="2">
-            <a:schemeClr val="accent1"/>
-          </a:fillRef>
-          <a:effectRef idx="1">
-            <a:schemeClr val="accent1"/>
-          </a:effectRef>
-          <a:fontRef idx="minor">
-            <a:schemeClr val="dk1"/>
-          </a:fontRef>
-        </p:style>
-      </p:cxnSp>
-      <p:sp>
-        <p:nvSpPr>
-          <p:cNvPr id="142" name="Rectangle 141">
-            <a:extLst>
-              <a:ext uri="{FF2B5EF4-FFF2-40B4-BE49-F238E27FC236}">
-                <a16:creationId xmlns:a16="http://schemas.microsoft.com/office/drawing/2014/main" id="{F0D3A3B7-7AE1-4662-8112-4B1743B80B79}"/>
-              </a:ext>
-            </a:extLst>
-          </p:cNvPr>
-          <p:cNvSpPr/>
-          <p:nvPr/>
-        </p:nvSpPr>
-        <p:spPr>
-          <a:xfrm>
-            <a:off x="8463813" y="1920915"/>
-            <a:ext cx="142006" cy="176787"/>
-          </a:xfrm>
-          <a:prstGeom prst="rect">
-            <a:avLst/>
-          </a:prstGeom>
-          <a:solidFill>
-            <a:schemeClr val="accent5">
-              <a:lumMod val="75000"/>
-            </a:schemeClr>
-          </a:solidFill>
-          <a:ln>
-            <a:solidFill>
-              <a:schemeClr val="accent5">
-                <a:lumMod val="75000"/>
-              </a:schemeClr>
-            </a:solidFill>
-          </a:ln>
-          <a:effectLst/>
-        </p:spPr>
-        <p:style>
-          <a:lnRef idx="1">
-            <a:schemeClr val="accent3"/>
-          </a:lnRef>
-          <a:fillRef idx="2">
-            <a:schemeClr val="accent3"/>
-          </a:fillRef>
-          <a:effectRef idx="1">
-            <a:schemeClr val="accent3"/>
-          </a:effectRef>
-          <a:fontRef idx="minor">
-            <a:schemeClr val="dk1"/>
-          </a:fontRef>
-        </p:style>
-        <p:txBody>
-          <a:bodyPr rtlCol="0" anchor="ctr"/>
-          <a:lstStyle/>
-          <a:p>
-            <a:pPr algn="ctr"/>
-            <a:endParaRPr lang="en-SG" sz="1400" dirty="0">
-              <a:solidFill>
-                <a:schemeClr val="dk1"/>
-              </a:solidFill>
-            </a:endParaRPr>
-          </a:p>
-        </p:txBody>
-      </p:sp>
-      <p:cxnSp>
-        <p:nvCxnSpPr>
-          <p:cNvPr id="143" name="Straight Arrow Connector 142">
-            <a:extLst>
-              <a:ext uri="{FF2B5EF4-FFF2-40B4-BE49-F238E27FC236}">
-                <a16:creationId xmlns:a16="http://schemas.microsoft.com/office/drawing/2014/main" id="{6BC3B6B3-E728-43FF-81ED-DD2102948443}"/>
-              </a:ext>
-            </a:extLst>
-          </p:cNvPr>
-          <p:cNvCxnSpPr>
-            <a:cxnSpLocks/>
-          </p:cNvCxnSpPr>
-          <p:nvPr/>
-        </p:nvCxnSpPr>
-        <p:spPr>
-          <a:xfrm>
-            <a:off x="6152190" y="1920915"/>
-            <a:ext cx="2311623" cy="0"/>
-          </a:xfrm>
-          <a:prstGeom prst="straightConnector1">
-            <a:avLst/>
-          </a:prstGeom>
-          <a:ln w="19050">
-            <a:solidFill>
-              <a:srgbClr val="7030A0"/>
-            </a:solidFill>
-            <a:tailEnd type="arrow"/>
-          </a:ln>
-        </p:spPr>
-        <p:style>
-          <a:lnRef idx="1">
-            <a:schemeClr val="accent1"/>
-          </a:lnRef>
-          <a:fillRef idx="0">
-            <a:schemeClr val="accent1"/>
-          </a:fillRef>
-          <a:effectRef idx="0">
-            <a:schemeClr val="accent1"/>
-          </a:effectRef>
-          <a:fontRef idx="minor">
-            <a:schemeClr val="tx1"/>
-          </a:fontRef>
-        </p:style>
-      </p:cxnSp>
-      <p:cxnSp>
-        <p:nvCxnSpPr>
-          <p:cNvPr id="144" name="Straight Arrow Connector 143">
-            <a:extLst>
-              <a:ext uri="{FF2B5EF4-FFF2-40B4-BE49-F238E27FC236}">
-                <a16:creationId xmlns:a16="http://schemas.microsoft.com/office/drawing/2014/main" id="{7109A1C1-2791-463B-991B-750EF9723C28}"/>
-              </a:ext>
-            </a:extLst>
-          </p:cNvPr>
-          <p:cNvCxnSpPr>
-            <a:cxnSpLocks/>
-          </p:cNvCxnSpPr>
-          <p:nvPr/>
-        </p:nvCxnSpPr>
-        <p:spPr>
-          <a:xfrm>
-            <a:off x="6152190" y="2097702"/>
-            <a:ext cx="2311623" cy="0"/>
-          </a:xfrm>
-          <a:prstGeom prst="straightConnector1">
-            <a:avLst/>
-          </a:prstGeom>
-          <a:ln w="19050">
-            <a:solidFill>
-              <a:schemeClr val="accent5">
-                <a:lumMod val="75000"/>
-              </a:schemeClr>
-            </a:solidFill>
-            <a:prstDash val="sysDash"/>
-            <a:headEnd type="arrow" w="med" len="med"/>
-            <a:tailEnd type="none" w="med" len="med"/>
-          </a:ln>
-        </p:spPr>
-        <p:style>
-          <a:lnRef idx="1">
-            <a:schemeClr val="accent1"/>
-          </a:lnRef>
-          <a:fillRef idx="0">
-            <a:schemeClr val="accent1"/>
-          </a:fillRef>
-          <a:effectRef idx="0">
-            <a:schemeClr val="accent1"/>
-          </a:effectRef>
-          <a:fontRef idx="minor">
-            <a:schemeClr val="tx1"/>
-          </a:fontRef>
-        </p:style>
-      </p:cxnSp>
-      <p:sp>
-        <p:nvSpPr>
-          <p:cNvPr id="145" name="Rectangle 62">
-            <a:extLst>
-              <a:ext uri="{FF2B5EF4-FFF2-40B4-BE49-F238E27FC236}">
-                <a16:creationId xmlns:a16="http://schemas.microsoft.com/office/drawing/2014/main" id="{391155F6-064E-4699-90AD-CB99EC6EE3E8}"/>
-              </a:ext>
-            </a:extLst>
-          </p:cNvPr>
-          <p:cNvSpPr/>
-          <p:nvPr/>
-        </p:nvSpPr>
-        <p:spPr>
-          <a:xfrm>
-            <a:off x="7370178" y="4278322"/>
+            <a:off x="5469073" y="4155323"/>
             <a:ext cx="1093635" cy="346760"/>
           </a:xfrm>
           <a:prstGeom prst="rect">
@@ -5735,13 +5591,15 @@
               </a:ext>
             </a:extLst>
           </p:cNvPr>
-          <p:cNvCxnSpPr/>
+          <p:cNvCxnSpPr>
+            <a:cxnSpLocks/>
+          </p:cNvCxnSpPr>
           <p:nvPr/>
         </p:nvCxnSpPr>
         <p:spPr>
           <a:xfrm>
-            <a:off x="7916995" y="4641993"/>
-            <a:ext cx="0" cy="1723059"/>
+            <a:off x="6015890" y="4518994"/>
+            <a:ext cx="5202" cy="1808781"/>
           </a:xfrm>
           <a:prstGeom prst="line">
             <a:avLst/>
@@ -5785,8 +5643,8 @@
         </p:nvSpPr>
         <p:spPr>
           <a:xfrm>
-            <a:off x="7844987" y="5335662"/>
-            <a:ext cx="124478" cy="287409"/>
+            <a:off x="5951350" y="5212662"/>
+            <a:ext cx="117009" cy="1029389"/>
           </a:xfrm>
           <a:prstGeom prst="rect">
             <a:avLst/>
@@ -5832,47 +5690,6 @@
           </a:p>
         </p:txBody>
       </p:sp>
-      <p:sp>
-        <p:nvSpPr>
-          <p:cNvPr id="148" name="TextBox 147">
-            <a:extLst>
-              <a:ext uri="{FF2B5EF4-FFF2-40B4-BE49-F238E27FC236}">
-                <a16:creationId xmlns:a16="http://schemas.microsoft.com/office/drawing/2014/main" id="{E0CFD288-6341-4135-AD06-7949B4ABF4FD}"/>
-              </a:ext>
-            </a:extLst>
-          </p:cNvPr>
-          <p:cNvSpPr txBox="1"/>
-          <p:nvPr/>
-        </p:nvSpPr>
-        <p:spPr>
-          <a:xfrm>
-            <a:off x="1810094" y="4797674"/>
-            <a:ext cx="2716635" cy="215444"/>
-          </a:xfrm>
-          <a:prstGeom prst="rect">
-            <a:avLst/>
-          </a:prstGeom>
-          <a:noFill/>
-        </p:spPr>
-        <p:txBody>
-          <a:bodyPr wrap="square" lIns="0" tIns="0" rIns="0" bIns="0" rtlCol="0">
-            <a:spAutoFit/>
-          </a:bodyPr>
-          <a:lstStyle/>
-          <a:p>
-            <a:r>
-              <a:rPr lang="en-US" sz="1400" dirty="0">
-                <a:solidFill>
-                  <a:schemeClr val="accent5">
-                    <a:lumMod val="75000"/>
-                  </a:schemeClr>
-                </a:solidFill>
-              </a:rPr>
-              <a:t>post(EncryptionRequestEvent)</a:t>
-            </a:r>
-          </a:p>
-        </p:txBody>
-      </p:sp>
       <p:cxnSp>
         <p:nvCxnSpPr>
           <p:cNvPr id="149" name="Straight Arrow Connector 148">
@@ -5887,7 +5704,7 @@
         </p:nvCxnSpPr>
         <p:spPr>
           <a:xfrm flipH="1">
-            <a:off x="4526729" y="5623071"/>
+            <a:off x="2592782" y="6226540"/>
             <a:ext cx="3383941" cy="0"/>
           </a:xfrm>
           <a:prstGeom prst="straightConnector1">
@@ -5919,81 +5736,12 @@
           </a:fontRef>
         </p:style>
       </p:cxnSp>
-      <p:sp>
-        <p:nvSpPr>
-          <p:cNvPr id="150" name="Rectangle 62">
-            <a:extLst>
-              <a:ext uri="{FF2B5EF4-FFF2-40B4-BE49-F238E27FC236}">
-                <a16:creationId xmlns:a16="http://schemas.microsoft.com/office/drawing/2014/main" id="{A3793670-2CB1-4DD3-9E97-AA7F2DC95610}"/>
-              </a:ext>
-            </a:extLst>
-          </p:cNvPr>
-          <p:cNvSpPr/>
-          <p:nvPr/>
-        </p:nvSpPr>
-        <p:spPr>
-          <a:xfrm>
-            <a:off x="3791146" y="4295233"/>
-            <a:ext cx="1371600" cy="346760"/>
-          </a:xfrm>
-          <a:prstGeom prst="rect">
-            <a:avLst/>
-          </a:prstGeom>
-          <a:solidFill>
-            <a:schemeClr val="accent5">
-              <a:lumMod val="75000"/>
-            </a:schemeClr>
-          </a:solidFill>
-          <a:ln w="19050">
-            <a:solidFill>
-              <a:schemeClr val="accent5">
-                <a:lumMod val="75000"/>
-              </a:schemeClr>
-            </a:solidFill>
-          </a:ln>
-          <a:effectLst/>
-        </p:spPr>
-        <p:style>
-          <a:lnRef idx="1">
-            <a:schemeClr val="accent2"/>
-          </a:lnRef>
-          <a:fillRef idx="2">
-            <a:schemeClr val="accent2"/>
-          </a:fillRef>
-          <a:effectRef idx="1">
-            <a:schemeClr val="accent2"/>
-          </a:effectRef>
-          <a:fontRef idx="minor">
-            <a:schemeClr val="dk1"/>
-          </a:fontRef>
-        </p:style>
-        <p:txBody>
-          <a:bodyPr rtlCol="0" anchor="ctr"/>
-          <a:lstStyle/>
-          <a:p>
-            <a:pPr algn="ctr"/>
-            <a:r>
-              <a:rPr lang="en-US" sz="1600" dirty="0">
-                <a:solidFill>
-                  <a:schemeClr val="bg1"/>
-                </a:solidFill>
-              </a:rPr>
-              <a:t>:EventsCenter</a:t>
-            </a:r>
-            <a:endParaRPr lang="en-SG" sz="1600" dirty="0">
-              <a:solidFill>
-                <a:schemeClr val="bg1"/>
-              </a:solidFill>
-            </a:endParaRPr>
-          </a:p>
-        </p:txBody>
-      </p:sp>
       <p:cxnSp>
         <p:nvCxnSpPr>
-          <p:cNvPr id="151" name="Straight Connector 150">
-            <a:extLst>
-              <a:ext uri="{FF2B5EF4-FFF2-40B4-BE49-F238E27FC236}">
-                <a16:creationId xmlns:a16="http://schemas.microsoft.com/office/drawing/2014/main" id="{74DF10CD-4789-46D1-AD2E-D46AE19F6FD8}"/>
+          <p:cNvPr id="155" name="Straight Arrow Connector 154">
+            <a:extLst>
+              <a:ext uri="{FF2B5EF4-FFF2-40B4-BE49-F238E27FC236}">
+                <a16:creationId xmlns:a16="http://schemas.microsoft.com/office/drawing/2014/main" id="{80B9CB64-E7BF-40FC-B5D7-0E91ADA73E35}"/>
               </a:ext>
             </a:extLst>
           </p:cNvPr>
@@ -6002,201 +5750,7 @@
         </p:nvCxnSpPr>
         <p:spPr>
           <a:xfrm>
-            <a:off x="4456731" y="4648287"/>
-            <a:ext cx="0" cy="1723059"/>
-          </a:xfrm>
-          <a:prstGeom prst="line">
-            <a:avLst/>
-          </a:prstGeom>
-          <a:ln w="19050">
-            <a:solidFill>
-              <a:schemeClr val="accent5">
-                <a:lumMod val="75000"/>
-              </a:schemeClr>
-            </a:solidFill>
-            <a:prstDash val="sysDash"/>
-          </a:ln>
-          <a:effectLst/>
-        </p:spPr>
-        <p:style>
-          <a:lnRef idx="1">
-            <a:schemeClr val="accent1"/>
-          </a:lnRef>
-          <a:fillRef idx="2">
-            <a:schemeClr val="accent1"/>
-          </a:fillRef>
-          <a:effectRef idx="1">
-            <a:schemeClr val="accent1"/>
-          </a:effectRef>
-          <a:fontRef idx="minor">
-            <a:schemeClr val="dk1"/>
-          </a:fontRef>
-        </p:style>
-      </p:cxnSp>
-      <p:sp>
-        <p:nvSpPr>
-          <p:cNvPr id="152" name="Rectangle 151">
-            <a:extLst>
-              <a:ext uri="{FF2B5EF4-FFF2-40B4-BE49-F238E27FC236}">
-                <a16:creationId xmlns:a16="http://schemas.microsoft.com/office/drawing/2014/main" id="{65A18F84-1BB1-435C-A78F-105E8F53BCED}"/>
-              </a:ext>
-            </a:extLst>
-          </p:cNvPr>
-          <p:cNvSpPr/>
-          <p:nvPr/>
-        </p:nvSpPr>
-        <p:spPr>
-          <a:xfrm>
-            <a:off x="4384723" y="5071220"/>
-            <a:ext cx="142006" cy="1036757"/>
-          </a:xfrm>
-          <a:prstGeom prst="rect">
-            <a:avLst/>
-          </a:prstGeom>
-          <a:solidFill>
-            <a:schemeClr val="accent5">
-              <a:lumMod val="75000"/>
-            </a:schemeClr>
-          </a:solidFill>
-          <a:ln>
-            <a:solidFill>
-              <a:schemeClr val="accent5">
-                <a:lumMod val="75000"/>
-              </a:schemeClr>
-            </a:solidFill>
-          </a:ln>
-          <a:effectLst/>
-        </p:spPr>
-        <p:style>
-          <a:lnRef idx="1">
-            <a:schemeClr val="accent3"/>
-          </a:lnRef>
-          <a:fillRef idx="2">
-            <a:schemeClr val="accent3"/>
-          </a:fillRef>
-          <a:effectRef idx="1">
-            <a:schemeClr val="accent3"/>
-          </a:effectRef>
-          <a:fontRef idx="minor">
-            <a:schemeClr val="dk1"/>
-          </a:fontRef>
-        </p:style>
-        <p:txBody>
-          <a:bodyPr rtlCol="0" anchor="ctr"/>
-          <a:lstStyle/>
-          <a:p>
-            <a:pPr algn="ctr"/>
-            <a:endParaRPr lang="en-SG" sz="1400" dirty="0">
-              <a:solidFill>
-                <a:schemeClr val="dk1"/>
-              </a:solidFill>
-            </a:endParaRPr>
-          </a:p>
-        </p:txBody>
-      </p:sp>
-      <p:cxnSp>
-        <p:nvCxnSpPr>
-          <p:cNvPr id="153" name="Straight Arrow Connector 152">
-            <a:extLst>
-              <a:ext uri="{FF2B5EF4-FFF2-40B4-BE49-F238E27FC236}">
-                <a16:creationId xmlns:a16="http://schemas.microsoft.com/office/drawing/2014/main" id="{6C6892A4-E916-4FAD-93D3-329842C94F8E}"/>
-              </a:ext>
-            </a:extLst>
-          </p:cNvPr>
-          <p:cNvCxnSpPr/>
-          <p:nvPr/>
-        </p:nvCxnSpPr>
-        <p:spPr>
-          <a:xfrm>
-            <a:off x="3078929" y="5071220"/>
-            <a:ext cx="1295400" cy="0"/>
-          </a:xfrm>
-          <a:prstGeom prst="straightConnector1">
-            <a:avLst/>
-          </a:prstGeom>
-          <a:ln w="19050">
-            <a:solidFill>
-              <a:srgbClr val="7030A0"/>
-            </a:solidFill>
-            <a:tailEnd type="arrow"/>
-          </a:ln>
-        </p:spPr>
-        <p:style>
-          <a:lnRef idx="1">
-            <a:schemeClr val="accent1"/>
-          </a:lnRef>
-          <a:fillRef idx="0">
-            <a:schemeClr val="accent1"/>
-          </a:fillRef>
-          <a:effectRef idx="0">
-            <a:schemeClr val="accent1"/>
-          </a:effectRef>
-          <a:fontRef idx="minor">
-            <a:schemeClr val="tx1"/>
-          </a:fontRef>
-        </p:style>
-      </p:cxnSp>
-      <p:cxnSp>
-        <p:nvCxnSpPr>
-          <p:cNvPr id="154" name="Straight Arrow Connector 153">
-            <a:extLst>
-              <a:ext uri="{FF2B5EF4-FFF2-40B4-BE49-F238E27FC236}">
-                <a16:creationId xmlns:a16="http://schemas.microsoft.com/office/drawing/2014/main" id="{BC11D336-CF2C-4D88-B284-AD687A1EFFA0}"/>
-              </a:ext>
-            </a:extLst>
-          </p:cNvPr>
-          <p:cNvCxnSpPr/>
-          <p:nvPr/>
-        </p:nvCxnSpPr>
-        <p:spPr>
-          <a:xfrm>
-            <a:off x="2975642" y="6107977"/>
-            <a:ext cx="1448755" cy="0"/>
-          </a:xfrm>
-          <a:prstGeom prst="straightConnector1">
-            <a:avLst/>
-          </a:prstGeom>
-          <a:ln w="19050">
-            <a:solidFill>
-              <a:schemeClr val="accent5">
-                <a:lumMod val="75000"/>
-              </a:schemeClr>
-            </a:solidFill>
-            <a:prstDash val="sysDash"/>
-            <a:headEnd type="arrow" w="med" len="med"/>
-            <a:tailEnd type="none" w="med" len="med"/>
-          </a:ln>
-        </p:spPr>
-        <p:style>
-          <a:lnRef idx="1">
-            <a:schemeClr val="accent1"/>
-          </a:lnRef>
-          <a:fillRef idx="0">
-            <a:schemeClr val="accent1"/>
-          </a:fillRef>
-          <a:effectRef idx="0">
-            <a:schemeClr val="accent1"/>
-          </a:effectRef>
-          <a:fontRef idx="minor">
-            <a:schemeClr val="tx1"/>
-          </a:fontRef>
-        </p:style>
-      </p:cxnSp>
-      <p:cxnSp>
-        <p:nvCxnSpPr>
-          <p:cNvPr id="155" name="Straight Arrow Connector 154">
-            <a:extLst>
-              <a:ext uri="{FF2B5EF4-FFF2-40B4-BE49-F238E27FC236}">
-                <a16:creationId xmlns:a16="http://schemas.microsoft.com/office/drawing/2014/main" id="{80B9CB64-E7BF-40FC-B5D7-0E91ADA73E35}"/>
-              </a:ext>
-            </a:extLst>
-          </p:cNvPr>
-          <p:cNvCxnSpPr/>
-          <p:nvPr/>
-        </p:nvCxnSpPr>
-        <p:spPr>
-          <a:xfrm>
-            <a:off x="4526729" y="5341014"/>
+            <a:off x="2625624" y="5218015"/>
             <a:ext cx="3318258" cy="0"/>
           </a:xfrm>
           <a:prstGeom prst="straightConnector1">
@@ -6241,7 +5795,7 @@
         </p:nvSpPr>
         <p:spPr>
           <a:xfrm>
-            <a:off x="5036330" y="5065911"/>
+            <a:off x="3135225" y="4942912"/>
             <a:ext cx="2659870" cy="215444"/>
           </a:xfrm>
           <a:prstGeom prst="rect">
@@ -6282,7 +5836,7 @@
         </p:nvCxnSpPr>
         <p:spPr>
           <a:xfrm flipH="1">
-            <a:off x="314394" y="1099672"/>
+            <a:off x="1304994" y="1186341"/>
             <a:ext cx="24" cy="1598671"/>
           </a:xfrm>
           <a:prstGeom prst="line">
@@ -6325,7 +5879,7 @@
         </p:nvGrpSpPr>
         <p:grpSpPr>
           <a:xfrm flipH="1">
-            <a:off x="7936842" y="5335662"/>
+            <a:off x="6021092" y="5905663"/>
             <a:ext cx="217349" cy="270072"/>
             <a:chOff x="1028134" y="5612032"/>
             <a:chExt cx="217349" cy="270072"/>
@@ -6506,8 +6060,8 @@
         </p:nvSpPr>
         <p:spPr>
           <a:xfrm>
-            <a:off x="8223953" y="5180992"/>
-            <a:ext cx="539047" cy="430887"/>
+            <a:off x="6215921" y="5964103"/>
+            <a:ext cx="1214120" cy="215444"/>
           </a:xfrm>
           <a:prstGeom prst="rect">
             <a:avLst/>
@@ -6528,30 +6082,1037 @@
                   </a:schemeClr>
                 </a:solidFill>
               </a:rPr>
-              <a:t>Save </a:t>
-            </a:r>
-            <a:br>
+              <a:t>Save to file</a:t>
+            </a:r>
+          </a:p>
+        </p:txBody>
+      </p:sp>
+      <p:cxnSp>
+        <p:nvCxnSpPr>
+          <p:cNvPr id="48" name="Straight Arrow Connector 47">
+            <a:extLst>
+              <a:ext uri="{FF2B5EF4-FFF2-40B4-BE49-F238E27FC236}">
+                <a16:creationId xmlns:a16="http://schemas.microsoft.com/office/drawing/2014/main" id="{C2438903-20E6-42CE-9558-0FFC8D5D8A78}"/>
+              </a:ext>
+            </a:extLst>
+          </p:cNvPr>
+          <p:cNvCxnSpPr>
+            <a:cxnSpLocks/>
+          </p:cNvCxnSpPr>
+          <p:nvPr/>
+        </p:nvCxnSpPr>
+        <p:spPr>
+          <a:xfrm>
+            <a:off x="6076134" y="5294456"/>
+            <a:ext cx="2721009" cy="1"/>
+          </a:xfrm>
+          <a:prstGeom prst="straightConnector1">
+            <a:avLst/>
+          </a:prstGeom>
+          <a:ln w="19050">
+            <a:solidFill>
+              <a:srgbClr val="75965E"/>
+            </a:solidFill>
+            <a:tailEnd type="arrow"/>
+          </a:ln>
+        </p:spPr>
+        <p:style>
+          <a:lnRef idx="1">
+            <a:schemeClr val="accent1"/>
+          </a:lnRef>
+          <a:fillRef idx="0">
+            <a:schemeClr val="accent1"/>
+          </a:fillRef>
+          <a:effectRef idx="0">
+            <a:schemeClr val="accent1"/>
+          </a:effectRef>
+          <a:fontRef idx="minor">
+            <a:schemeClr val="tx1"/>
+          </a:fontRef>
+        </p:style>
+      </p:cxnSp>
+      <p:sp>
+        <p:nvSpPr>
+          <p:cNvPr id="49" name="Rectangle 62">
+            <a:extLst>
+              <a:ext uri="{FF2B5EF4-FFF2-40B4-BE49-F238E27FC236}">
+                <a16:creationId xmlns:a16="http://schemas.microsoft.com/office/drawing/2014/main" id="{4281FF07-B0F2-4AC1-B607-2E59B7A9B9AE}"/>
+              </a:ext>
+            </a:extLst>
+          </p:cNvPr>
+          <p:cNvSpPr/>
+          <p:nvPr/>
+        </p:nvSpPr>
+        <p:spPr>
+          <a:xfrm>
+            <a:off x="8280030" y="4155323"/>
+            <a:ext cx="1239886" cy="346760"/>
+          </a:xfrm>
+          <a:prstGeom prst="rect">
+            <a:avLst/>
+          </a:prstGeom>
+          <a:solidFill>
+            <a:srgbClr val="00B0F0"/>
+          </a:solidFill>
+          <a:ln w="19050">
+            <a:solidFill>
+              <a:srgbClr val="00B0F0"/>
+            </a:solidFill>
+          </a:ln>
+          <a:effectLst/>
+        </p:spPr>
+        <p:style>
+          <a:lnRef idx="1">
+            <a:schemeClr val="accent2"/>
+          </a:lnRef>
+          <a:fillRef idx="2">
+            <a:schemeClr val="accent2"/>
+          </a:fillRef>
+          <a:effectRef idx="1">
+            <a:schemeClr val="accent2"/>
+          </a:effectRef>
+          <a:fontRef idx="minor">
+            <a:schemeClr val="dk1"/>
+          </a:fontRef>
+        </p:style>
+        <p:txBody>
+          <a:bodyPr rtlCol="0" anchor="ctr"/>
+          <a:lstStyle/>
+          <a:p>
+            <a:pPr algn="ctr"/>
+            <a:r>
+              <a:rPr lang="en-US" sz="1600" dirty="0">
+                <a:solidFill>
+                  <a:schemeClr val="bg1"/>
+                </a:solidFill>
+              </a:rPr>
+              <a:t>:SecurityUtil</a:t>
+            </a:r>
+            <a:endParaRPr lang="en-SG" sz="1600" dirty="0">
+              <a:solidFill>
+                <a:schemeClr val="bg1"/>
+              </a:solidFill>
+            </a:endParaRPr>
+          </a:p>
+        </p:txBody>
+      </p:sp>
+      <p:cxnSp>
+        <p:nvCxnSpPr>
+          <p:cNvPr id="50" name="Straight Connector 49">
+            <a:extLst>
+              <a:ext uri="{FF2B5EF4-FFF2-40B4-BE49-F238E27FC236}">
+                <a16:creationId xmlns:a16="http://schemas.microsoft.com/office/drawing/2014/main" id="{CCDCF1E0-802E-41CE-8F1A-6ECAF35E8DB5}"/>
+              </a:ext>
+            </a:extLst>
+          </p:cNvPr>
+          <p:cNvCxnSpPr/>
+          <p:nvPr/>
+        </p:nvCxnSpPr>
+        <p:spPr>
+          <a:xfrm>
+            <a:off x="8864923" y="4502083"/>
+            <a:ext cx="0" cy="1723059"/>
+          </a:xfrm>
+          <a:prstGeom prst="line">
+            <a:avLst/>
+          </a:prstGeom>
+          <a:ln w="19050">
+            <a:solidFill>
+              <a:srgbClr val="00B0F0"/>
+            </a:solidFill>
+            <a:prstDash val="sysDash"/>
+          </a:ln>
+          <a:effectLst/>
+        </p:spPr>
+        <p:style>
+          <a:lnRef idx="1">
+            <a:schemeClr val="accent1"/>
+          </a:lnRef>
+          <a:fillRef idx="2">
+            <a:schemeClr val="accent1"/>
+          </a:fillRef>
+          <a:effectRef idx="1">
+            <a:schemeClr val="accent1"/>
+          </a:effectRef>
+          <a:fontRef idx="minor">
+            <a:schemeClr val="dk1"/>
+          </a:fontRef>
+        </p:style>
+      </p:cxnSp>
+      <p:sp>
+        <p:nvSpPr>
+          <p:cNvPr id="51" name="Rectangle 50">
+            <a:extLst>
+              <a:ext uri="{FF2B5EF4-FFF2-40B4-BE49-F238E27FC236}">
+                <a16:creationId xmlns:a16="http://schemas.microsoft.com/office/drawing/2014/main" id="{0F0E0D83-2ACD-414E-808F-89FA160CD4C2}"/>
+              </a:ext>
+            </a:extLst>
+          </p:cNvPr>
+          <p:cNvSpPr/>
+          <p:nvPr/>
+        </p:nvSpPr>
+        <p:spPr>
+          <a:xfrm>
+            <a:off x="8797143" y="5304209"/>
+            <a:ext cx="139383" cy="531080"/>
+          </a:xfrm>
+          <a:prstGeom prst="rect">
+            <a:avLst/>
+          </a:prstGeom>
+          <a:solidFill>
+            <a:srgbClr val="00B0F0"/>
+          </a:solidFill>
+          <a:ln>
+            <a:solidFill>
+              <a:srgbClr val="00B0F0"/>
+            </a:solidFill>
+          </a:ln>
+          <a:effectLst/>
+        </p:spPr>
+        <p:style>
+          <a:lnRef idx="1">
+            <a:schemeClr val="accent3"/>
+          </a:lnRef>
+          <a:fillRef idx="2">
+            <a:schemeClr val="accent3"/>
+          </a:fillRef>
+          <a:effectRef idx="1">
+            <a:schemeClr val="accent3"/>
+          </a:effectRef>
+          <a:fontRef idx="minor">
+            <a:schemeClr val="dk1"/>
+          </a:fontRef>
+        </p:style>
+        <p:txBody>
+          <a:bodyPr rtlCol="0" anchor="ctr"/>
+          <a:lstStyle/>
+          <a:p>
+            <a:pPr algn="ctr"/>
+            <a:endParaRPr lang="en-SG" sz="1400" dirty="0">
+              <a:solidFill>
+                <a:schemeClr val="dk1"/>
+              </a:solidFill>
+            </a:endParaRPr>
+          </a:p>
+        </p:txBody>
+      </p:sp>
+      <p:sp>
+        <p:nvSpPr>
+          <p:cNvPr id="54" name="TextBox 53">
+            <a:extLst>
+              <a:ext uri="{FF2B5EF4-FFF2-40B4-BE49-F238E27FC236}">
+                <a16:creationId xmlns:a16="http://schemas.microsoft.com/office/drawing/2014/main" id="{6A860EE2-A508-41ED-8D74-3C0B92874C79}"/>
+              </a:ext>
+            </a:extLst>
+          </p:cNvPr>
+          <p:cNvSpPr txBox="1"/>
+          <p:nvPr/>
+        </p:nvSpPr>
+        <p:spPr>
+          <a:xfrm>
+            <a:off x="6161692" y="5042711"/>
+            <a:ext cx="2910029" cy="215444"/>
+          </a:xfrm>
+          <a:prstGeom prst="rect">
+            <a:avLst/>
+          </a:prstGeom>
+          <a:noFill/>
+        </p:spPr>
+        <p:txBody>
+          <a:bodyPr wrap="square" lIns="0" tIns="0" rIns="0" bIns="0" rtlCol="0">
+            <a:spAutoFit/>
+          </a:bodyPr>
+          <a:lstStyle/>
+          <a:p>
+            <a:r>
               <a:rPr lang="en-US" sz="1400" dirty="0">
                 <a:solidFill>
-                  <a:schemeClr val="accent6">
-                    <a:lumMod val="75000"/>
-                  </a:schemeClr>
+                  <a:srgbClr val="00B0F0"/>
                 </a:solidFill>
               </a:rPr>
-            </a:br>
+              <a:t>encrypt(inputFile, outputFile, pass)</a:t>
+            </a:r>
+          </a:p>
+        </p:txBody>
+      </p:sp>
+      <p:grpSp>
+        <p:nvGrpSpPr>
+          <p:cNvPr id="55" name="Group 54">
+            <a:extLst>
+              <a:ext uri="{FF2B5EF4-FFF2-40B4-BE49-F238E27FC236}">
+                <a16:creationId xmlns:a16="http://schemas.microsoft.com/office/drawing/2014/main" id="{E73A5A15-76FB-485D-B26C-B9BCD033CAF0}"/>
+              </a:ext>
+            </a:extLst>
+          </p:cNvPr>
+          <p:cNvGrpSpPr/>
+          <p:nvPr/>
+        </p:nvGrpSpPr>
+        <p:grpSpPr>
+          <a:xfrm flipH="1">
+            <a:off x="8866395" y="5309029"/>
+            <a:ext cx="213320" cy="215444"/>
+            <a:chOff x="1028134" y="5612032"/>
+            <a:chExt cx="217349" cy="270072"/>
+          </a:xfrm>
+          <a:noFill/>
+        </p:grpSpPr>
+        <p:sp>
+          <p:nvSpPr>
+            <p:cNvPr id="56" name="Freeform 58">
+              <a:extLst>
+                <a:ext uri="{FF2B5EF4-FFF2-40B4-BE49-F238E27FC236}">
+                  <a16:creationId xmlns:a16="http://schemas.microsoft.com/office/drawing/2014/main" id="{84AC7C1F-DC45-4C99-9C36-28AFBFD29E3B}"/>
+                </a:ext>
+              </a:extLst>
+            </p:cNvPr>
+            <p:cNvSpPr/>
+            <p:nvPr/>
+          </p:nvSpPr>
+          <p:spPr>
+            <a:xfrm rot="2600998" flipH="1" flipV="1">
+              <a:off x="1028134" y="5612032"/>
+              <a:ext cx="167452" cy="116880"/>
+            </a:xfrm>
+            <a:custGeom>
+              <a:avLst/>
+              <a:gdLst>
+                <a:gd name="connsiteX0" fmla="*/ 0 w 226400"/>
+                <a:gd name="connsiteY0" fmla="*/ 32920 h 171466"/>
+                <a:gd name="connsiteX1" fmla="*/ 157018 w 226400"/>
+                <a:gd name="connsiteY1" fmla="*/ 5211 h 171466"/>
+                <a:gd name="connsiteX2" fmla="*/ 221673 w 226400"/>
+                <a:gd name="connsiteY2" fmla="*/ 125284 h 171466"/>
+                <a:gd name="connsiteX3" fmla="*/ 36945 w 226400"/>
+                <a:gd name="connsiteY3" fmla="*/ 171466 h 171466"/>
+              </a:gdLst>
+              <a:ahLst/>
+              <a:cxnLst>
+                <a:cxn ang="0">
+                  <a:pos x="connsiteX0" y="connsiteY0"/>
+                </a:cxn>
+                <a:cxn ang="0">
+                  <a:pos x="connsiteX1" y="connsiteY1"/>
+                </a:cxn>
+                <a:cxn ang="0">
+                  <a:pos x="connsiteX2" y="connsiteY2"/>
+                </a:cxn>
+                <a:cxn ang="0">
+                  <a:pos x="connsiteX3" y="connsiteY3"/>
+                </a:cxn>
+              </a:cxnLst>
+              <a:rect l="l" t="t" r="r" b="b"/>
+              <a:pathLst>
+                <a:path w="226400" h="171466">
+                  <a:moveTo>
+                    <a:pt x="0" y="32920"/>
+                  </a:moveTo>
+                  <a:cubicBezTo>
+                    <a:pt x="60036" y="11368"/>
+                    <a:pt x="120073" y="-10183"/>
+                    <a:pt x="157018" y="5211"/>
+                  </a:cubicBezTo>
+                  <a:cubicBezTo>
+                    <a:pt x="193963" y="20605"/>
+                    <a:pt x="241685" y="97575"/>
+                    <a:pt x="221673" y="125284"/>
+                  </a:cubicBezTo>
+                  <a:cubicBezTo>
+                    <a:pt x="201661" y="152993"/>
+                    <a:pt x="119303" y="162229"/>
+                    <a:pt x="36945" y="171466"/>
+                  </a:cubicBezTo>
+                </a:path>
+              </a:pathLst>
+            </a:custGeom>
+            <a:grpFill/>
+            <a:ln w="19050">
+              <a:solidFill>
+                <a:srgbClr val="00B0F0"/>
+              </a:solidFill>
+              <a:headEnd type="arrow" w="med" len="med"/>
+              <a:tailEnd type="none" w="med" len="med"/>
+            </a:ln>
+          </p:spPr>
+          <p:style>
+            <a:lnRef idx="1">
+              <a:schemeClr val="accent1"/>
+            </a:lnRef>
+            <a:fillRef idx="0">
+              <a:schemeClr val="accent1"/>
+            </a:fillRef>
+            <a:effectRef idx="0">
+              <a:schemeClr val="accent1"/>
+            </a:effectRef>
+            <a:fontRef idx="minor">
+              <a:schemeClr val="tx1"/>
+            </a:fontRef>
+          </p:style>
+          <p:txBody>
+            <a:bodyPr rtlCol="0" anchor="ctr"/>
+            <a:lstStyle/>
+            <a:p>
+              <a:pPr algn="ctr"/>
+              <a:endParaRPr lang="en-SG" dirty="0"/>
+            </a:p>
+          </p:txBody>
+        </p:sp>
+        <p:sp>
+          <p:nvSpPr>
+            <p:cNvPr id="57" name="Rectangle 56">
+              <a:extLst>
+                <a:ext uri="{FF2B5EF4-FFF2-40B4-BE49-F238E27FC236}">
+                  <a16:creationId xmlns:a16="http://schemas.microsoft.com/office/drawing/2014/main" id="{574DF8E2-48E4-433E-A90E-78BF9E09F442}"/>
+                </a:ext>
+              </a:extLst>
+            </p:cNvPr>
+            <p:cNvSpPr/>
+            <p:nvPr/>
+          </p:nvSpPr>
+          <p:spPr>
+            <a:xfrm>
+              <a:off x="1147403" y="5712513"/>
+              <a:ext cx="98080" cy="169591"/>
+            </a:xfrm>
+            <a:prstGeom prst="rect">
+              <a:avLst/>
+            </a:prstGeom>
+            <a:solidFill>
+              <a:srgbClr val="00B0F0"/>
+            </a:solidFill>
+            <a:ln>
+              <a:solidFill>
+                <a:schemeClr val="bg1"/>
+              </a:solidFill>
+            </a:ln>
+            <a:effectLst/>
+          </p:spPr>
+          <p:style>
+            <a:lnRef idx="1">
+              <a:schemeClr val="accent3"/>
+            </a:lnRef>
+            <a:fillRef idx="2">
+              <a:schemeClr val="accent3"/>
+            </a:fillRef>
+            <a:effectRef idx="1">
+              <a:schemeClr val="accent3"/>
+            </a:effectRef>
+            <a:fontRef idx="minor">
+              <a:schemeClr val="dk1"/>
+            </a:fontRef>
+          </p:style>
+          <p:txBody>
+            <a:bodyPr rtlCol="0" anchor="ctr"/>
+            <a:lstStyle/>
+            <a:p>
+              <a:pPr algn="ctr"/>
+              <a:endParaRPr lang="en-SG" sz="1400" dirty="0">
+                <a:solidFill>
+                  <a:schemeClr val="dk1"/>
+                </a:solidFill>
+              </a:endParaRPr>
+            </a:p>
+          </p:txBody>
+        </p:sp>
+      </p:grpSp>
+      <p:sp>
+        <p:nvSpPr>
+          <p:cNvPr id="58" name="TextBox 57">
+            <a:extLst>
+              <a:ext uri="{FF2B5EF4-FFF2-40B4-BE49-F238E27FC236}">
+                <a16:creationId xmlns:a16="http://schemas.microsoft.com/office/drawing/2014/main" id="{493E9E52-B519-4D61-BBDA-8E0A75A11E52}"/>
+              </a:ext>
+            </a:extLst>
+          </p:cNvPr>
+          <p:cNvSpPr txBox="1"/>
+          <p:nvPr/>
+        </p:nvSpPr>
+        <p:spPr>
+          <a:xfrm>
+            <a:off x="9113665" y="5284768"/>
+            <a:ext cx="2910029" cy="215444"/>
+          </a:xfrm>
+          <a:prstGeom prst="rect">
+            <a:avLst/>
+          </a:prstGeom>
+          <a:noFill/>
+        </p:spPr>
+        <p:txBody>
+          <a:bodyPr wrap="square" lIns="0" tIns="0" rIns="0" bIns="0" rtlCol="0">
+            <a:spAutoFit/>
+          </a:bodyPr>
+          <a:lstStyle/>
+          <a:p>
             <a:r>
               <a:rPr lang="en-US" sz="1400" dirty="0">
                 <a:solidFill>
-                  <a:schemeClr val="accent6">
-                    <a:lumMod val="75000"/>
-                  </a:schemeClr>
+                  <a:srgbClr val="00B0F0"/>
                 </a:solidFill>
               </a:rPr>
-              <a:t>to file</a:t>
-            </a:r>
-          </a:p>
-        </p:txBody>
-      </p:sp>
+              <a:t>encrypt(inputFile, outputFile, pass)</a:t>
+            </a:r>
+          </a:p>
+        </p:txBody>
+      </p:sp>
+      <p:grpSp>
+        <p:nvGrpSpPr>
+          <p:cNvPr id="63" name="Group 62">
+            <a:extLst>
+              <a:ext uri="{FF2B5EF4-FFF2-40B4-BE49-F238E27FC236}">
+                <a16:creationId xmlns:a16="http://schemas.microsoft.com/office/drawing/2014/main" id="{FCA735F4-006A-44E1-B333-2EAD48AFBEA9}"/>
+              </a:ext>
+            </a:extLst>
+          </p:cNvPr>
+          <p:cNvGrpSpPr/>
+          <p:nvPr/>
+        </p:nvGrpSpPr>
+        <p:grpSpPr>
+          <a:xfrm flipH="1">
+            <a:off x="8874086" y="5589832"/>
+            <a:ext cx="200066" cy="190184"/>
+            <a:chOff x="1028134" y="5612032"/>
+            <a:chExt cx="217349" cy="270072"/>
+          </a:xfrm>
+          <a:noFill/>
+        </p:grpSpPr>
+        <p:sp>
+          <p:nvSpPr>
+            <p:cNvPr id="64" name="Freeform 58">
+              <a:extLst>
+                <a:ext uri="{FF2B5EF4-FFF2-40B4-BE49-F238E27FC236}">
+                  <a16:creationId xmlns:a16="http://schemas.microsoft.com/office/drawing/2014/main" id="{49E501BE-0BCD-4CF0-B88F-943279FBE4F7}"/>
+                </a:ext>
+              </a:extLst>
+            </p:cNvPr>
+            <p:cNvSpPr/>
+            <p:nvPr/>
+          </p:nvSpPr>
+          <p:spPr>
+            <a:xfrm rot="2600998" flipH="1" flipV="1">
+              <a:off x="1028134" y="5612032"/>
+              <a:ext cx="167452" cy="116880"/>
+            </a:xfrm>
+            <a:custGeom>
+              <a:avLst/>
+              <a:gdLst>
+                <a:gd name="connsiteX0" fmla="*/ 0 w 226400"/>
+                <a:gd name="connsiteY0" fmla="*/ 32920 h 171466"/>
+                <a:gd name="connsiteX1" fmla="*/ 157018 w 226400"/>
+                <a:gd name="connsiteY1" fmla="*/ 5211 h 171466"/>
+                <a:gd name="connsiteX2" fmla="*/ 221673 w 226400"/>
+                <a:gd name="connsiteY2" fmla="*/ 125284 h 171466"/>
+                <a:gd name="connsiteX3" fmla="*/ 36945 w 226400"/>
+                <a:gd name="connsiteY3" fmla="*/ 171466 h 171466"/>
+              </a:gdLst>
+              <a:ahLst/>
+              <a:cxnLst>
+                <a:cxn ang="0">
+                  <a:pos x="connsiteX0" y="connsiteY0"/>
+                </a:cxn>
+                <a:cxn ang="0">
+                  <a:pos x="connsiteX1" y="connsiteY1"/>
+                </a:cxn>
+                <a:cxn ang="0">
+                  <a:pos x="connsiteX2" y="connsiteY2"/>
+                </a:cxn>
+                <a:cxn ang="0">
+                  <a:pos x="connsiteX3" y="connsiteY3"/>
+                </a:cxn>
+              </a:cxnLst>
+              <a:rect l="l" t="t" r="r" b="b"/>
+              <a:pathLst>
+                <a:path w="226400" h="171466">
+                  <a:moveTo>
+                    <a:pt x="0" y="32920"/>
+                  </a:moveTo>
+                  <a:cubicBezTo>
+                    <a:pt x="60036" y="11368"/>
+                    <a:pt x="120073" y="-10183"/>
+                    <a:pt x="157018" y="5211"/>
+                  </a:cubicBezTo>
+                  <a:cubicBezTo>
+                    <a:pt x="193963" y="20605"/>
+                    <a:pt x="241685" y="97575"/>
+                    <a:pt x="221673" y="125284"/>
+                  </a:cubicBezTo>
+                  <a:cubicBezTo>
+                    <a:pt x="201661" y="152993"/>
+                    <a:pt x="119303" y="162229"/>
+                    <a:pt x="36945" y="171466"/>
+                  </a:cubicBezTo>
+                </a:path>
+              </a:pathLst>
+            </a:custGeom>
+            <a:grpFill/>
+            <a:ln w="19050">
+              <a:solidFill>
+                <a:srgbClr val="00B0F0"/>
+              </a:solidFill>
+              <a:headEnd type="arrow" w="med" len="med"/>
+              <a:tailEnd type="none" w="med" len="med"/>
+            </a:ln>
+          </p:spPr>
+          <p:style>
+            <a:lnRef idx="1">
+              <a:schemeClr val="accent1"/>
+            </a:lnRef>
+            <a:fillRef idx="0">
+              <a:schemeClr val="accent1"/>
+            </a:fillRef>
+            <a:effectRef idx="0">
+              <a:schemeClr val="accent1"/>
+            </a:effectRef>
+            <a:fontRef idx="minor">
+              <a:schemeClr val="tx1"/>
+            </a:fontRef>
+          </p:style>
+          <p:txBody>
+            <a:bodyPr rtlCol="0" anchor="ctr"/>
+            <a:lstStyle/>
+            <a:p>
+              <a:pPr algn="ctr"/>
+              <a:endParaRPr lang="en-SG" dirty="0"/>
+            </a:p>
+          </p:txBody>
+        </p:sp>
+        <p:sp>
+          <p:nvSpPr>
+            <p:cNvPr id="65" name="Rectangle 64">
+              <a:extLst>
+                <a:ext uri="{FF2B5EF4-FFF2-40B4-BE49-F238E27FC236}">
+                  <a16:creationId xmlns:a16="http://schemas.microsoft.com/office/drawing/2014/main" id="{A6B819CD-893D-4B84-B09C-81927A6EF110}"/>
+                </a:ext>
+              </a:extLst>
+            </p:cNvPr>
+            <p:cNvSpPr/>
+            <p:nvPr/>
+          </p:nvSpPr>
+          <p:spPr>
+            <a:xfrm>
+              <a:off x="1147403" y="5712513"/>
+              <a:ext cx="98080" cy="169591"/>
+            </a:xfrm>
+            <a:prstGeom prst="rect">
+              <a:avLst/>
+            </a:prstGeom>
+            <a:solidFill>
+              <a:srgbClr val="00B0F0"/>
+            </a:solidFill>
+            <a:ln>
+              <a:solidFill>
+                <a:schemeClr val="bg1"/>
+              </a:solidFill>
+            </a:ln>
+            <a:effectLst/>
+          </p:spPr>
+          <p:style>
+            <a:lnRef idx="1">
+              <a:schemeClr val="accent3"/>
+            </a:lnRef>
+            <a:fillRef idx="2">
+              <a:schemeClr val="accent3"/>
+            </a:fillRef>
+            <a:effectRef idx="1">
+              <a:schemeClr val="accent3"/>
+            </a:effectRef>
+            <a:fontRef idx="minor">
+              <a:schemeClr val="dk1"/>
+            </a:fontRef>
+          </p:style>
+          <p:txBody>
+            <a:bodyPr rtlCol="0" anchor="ctr"/>
+            <a:lstStyle/>
+            <a:p>
+              <a:pPr algn="ctr"/>
+              <a:endParaRPr lang="en-SG" sz="1400" dirty="0">
+                <a:solidFill>
+                  <a:schemeClr val="dk1"/>
+                </a:solidFill>
+              </a:endParaRPr>
+            </a:p>
+          </p:txBody>
+        </p:sp>
+      </p:grpSp>
+      <p:sp>
+        <p:nvSpPr>
+          <p:cNvPr id="66" name="TextBox 65">
+            <a:extLst>
+              <a:ext uri="{FF2B5EF4-FFF2-40B4-BE49-F238E27FC236}">
+                <a16:creationId xmlns:a16="http://schemas.microsoft.com/office/drawing/2014/main" id="{6AAC116A-9E5E-4E15-92F8-C6D1E007DEF9}"/>
+              </a:ext>
+            </a:extLst>
+          </p:cNvPr>
+          <p:cNvSpPr txBox="1"/>
+          <p:nvPr/>
+        </p:nvSpPr>
+        <p:spPr>
+          <a:xfrm>
+            <a:off x="9095954" y="5578272"/>
+            <a:ext cx="2910029" cy="215444"/>
+          </a:xfrm>
+          <a:prstGeom prst="rect">
+            <a:avLst/>
+          </a:prstGeom>
+          <a:noFill/>
+        </p:spPr>
+        <p:txBody>
+          <a:bodyPr wrap="square" lIns="0" tIns="0" rIns="0" bIns="0" rtlCol="0">
+            <a:spAutoFit/>
+          </a:bodyPr>
+          <a:lstStyle/>
+          <a:p>
+            <a:r>
+              <a:rPr lang="en-US" sz="1400" dirty="0">
+                <a:solidFill>
+                  <a:srgbClr val="00B0F0"/>
+                </a:solidFill>
+              </a:rPr>
+              <a:t>processfile(cipher, inputFile, outputFile)</a:t>
+            </a:r>
+          </a:p>
+        </p:txBody>
+      </p:sp>
+      <p:cxnSp>
+        <p:nvCxnSpPr>
+          <p:cNvPr id="67" name="Straight Arrow Connector 66">
+            <a:extLst>
+              <a:ext uri="{FF2B5EF4-FFF2-40B4-BE49-F238E27FC236}">
+                <a16:creationId xmlns:a16="http://schemas.microsoft.com/office/drawing/2014/main" id="{E8EDA4F2-1E84-4D74-B6BA-3D3173B4BF8A}"/>
+              </a:ext>
+            </a:extLst>
+          </p:cNvPr>
+          <p:cNvCxnSpPr>
+            <a:cxnSpLocks/>
+          </p:cNvCxnSpPr>
+          <p:nvPr/>
+        </p:nvCxnSpPr>
+        <p:spPr>
+          <a:xfrm flipH="1" flipV="1">
+            <a:off x="6082937" y="5814438"/>
+            <a:ext cx="2702588" cy="13923"/>
+          </a:xfrm>
+          <a:prstGeom prst="straightConnector1">
+            <a:avLst/>
+          </a:prstGeom>
+          <a:ln w="19050">
+            <a:solidFill>
+              <a:srgbClr val="00B0F0"/>
+            </a:solidFill>
+            <a:prstDash val="sysDash"/>
+            <a:headEnd type="none" w="med" len="med"/>
+            <a:tailEnd type="arrow" w="med" len="med"/>
+          </a:ln>
+        </p:spPr>
+        <p:style>
+          <a:lnRef idx="1">
+            <a:schemeClr val="accent1"/>
+          </a:lnRef>
+          <a:fillRef idx="0">
+            <a:schemeClr val="accent1"/>
+          </a:fillRef>
+          <a:effectRef idx="0">
+            <a:schemeClr val="accent1"/>
+          </a:effectRef>
+          <a:fontRef idx="minor">
+            <a:schemeClr val="tx1"/>
+          </a:fontRef>
+        </p:style>
+      </p:cxnSp>
+      <p:sp>
+        <p:nvSpPr>
+          <p:cNvPr id="74" name="Rectangle 62">
+            <a:extLst>
+              <a:ext uri="{FF2B5EF4-FFF2-40B4-BE49-F238E27FC236}">
+                <a16:creationId xmlns:a16="http://schemas.microsoft.com/office/drawing/2014/main" id="{8F146B7A-A029-4891-B466-BC9CCCA8CEB6}"/>
+              </a:ext>
+            </a:extLst>
+          </p:cNvPr>
+          <p:cNvSpPr/>
+          <p:nvPr/>
+        </p:nvSpPr>
+        <p:spPr>
+          <a:xfrm>
+            <a:off x="1884438" y="3989904"/>
+            <a:ext cx="1332928" cy="346760"/>
+          </a:xfrm>
+          <a:prstGeom prst="rect">
+            <a:avLst/>
+          </a:prstGeom>
+          <a:solidFill>
+            <a:srgbClr val="7030A0"/>
+          </a:solidFill>
+          <a:ln w="19050">
+            <a:solidFill>
+              <a:srgbClr val="7030A0"/>
+            </a:solidFill>
+          </a:ln>
+          <a:effectLst/>
+        </p:spPr>
+        <p:style>
+          <a:lnRef idx="1">
+            <a:schemeClr val="accent2"/>
+          </a:lnRef>
+          <a:fillRef idx="2">
+            <a:schemeClr val="accent2"/>
+          </a:fillRef>
+          <a:effectRef idx="1">
+            <a:schemeClr val="accent2"/>
+          </a:effectRef>
+          <a:fontRef idx="minor">
+            <a:schemeClr val="dk1"/>
+          </a:fontRef>
+        </p:style>
+        <p:txBody>
+          <a:bodyPr rtlCol="0" anchor="ctr"/>
+          <a:lstStyle/>
+          <a:p>
+            <a:pPr algn="ctr"/>
+            <a:r>
+              <a:rPr lang="en-US" sz="1600" dirty="0">
+                <a:solidFill>
+                  <a:schemeClr val="bg1"/>
+                </a:solidFill>
+              </a:rPr>
+              <a:t>:EventsCenter</a:t>
+            </a:r>
+            <a:endParaRPr lang="en-SG" sz="1600" dirty="0">
+              <a:solidFill>
+                <a:schemeClr val="bg1"/>
+              </a:solidFill>
+            </a:endParaRPr>
+          </a:p>
+        </p:txBody>
+      </p:sp>
+      <p:cxnSp>
+        <p:nvCxnSpPr>
+          <p:cNvPr id="75" name="Straight Connector 74">
+            <a:extLst>
+              <a:ext uri="{FF2B5EF4-FFF2-40B4-BE49-F238E27FC236}">
+                <a16:creationId xmlns:a16="http://schemas.microsoft.com/office/drawing/2014/main" id="{D985E523-34FF-4E58-BE1E-47B00AC984EF}"/>
+              </a:ext>
+            </a:extLst>
+          </p:cNvPr>
+          <p:cNvCxnSpPr>
+            <a:cxnSpLocks/>
+          </p:cNvCxnSpPr>
+          <p:nvPr/>
+        </p:nvCxnSpPr>
+        <p:spPr>
+          <a:xfrm>
+            <a:off x="2554022" y="4353575"/>
+            <a:ext cx="0" cy="2157292"/>
+          </a:xfrm>
+          <a:prstGeom prst="line">
+            <a:avLst/>
+          </a:prstGeom>
+          <a:ln w="19050">
+            <a:solidFill>
+              <a:srgbClr val="7030A0"/>
+            </a:solidFill>
+            <a:prstDash val="sysDash"/>
+          </a:ln>
+          <a:effectLst/>
+        </p:spPr>
+        <p:style>
+          <a:lnRef idx="1">
+            <a:schemeClr val="accent1"/>
+          </a:lnRef>
+          <a:fillRef idx="2">
+            <a:schemeClr val="accent1"/>
+          </a:fillRef>
+          <a:effectRef idx="1">
+            <a:schemeClr val="accent1"/>
+          </a:effectRef>
+          <a:fontRef idx="minor">
+            <a:schemeClr val="dk1"/>
+          </a:fontRef>
+        </p:style>
+      </p:cxnSp>
+      <p:sp>
+        <p:nvSpPr>
+          <p:cNvPr id="76" name="Rectangle 75">
+            <a:extLst>
+              <a:ext uri="{FF2B5EF4-FFF2-40B4-BE49-F238E27FC236}">
+                <a16:creationId xmlns:a16="http://schemas.microsoft.com/office/drawing/2014/main" id="{A5F4D4C6-2DE9-4D4F-8B3B-9CC2DB8DCC4B}"/>
+              </a:ext>
+            </a:extLst>
+          </p:cNvPr>
+          <p:cNvSpPr/>
+          <p:nvPr/>
+        </p:nvSpPr>
+        <p:spPr>
+          <a:xfrm>
+            <a:off x="2472852" y="4920385"/>
+            <a:ext cx="151168" cy="1407381"/>
+          </a:xfrm>
+          <a:prstGeom prst="rect">
+            <a:avLst/>
+          </a:prstGeom>
+          <a:solidFill>
+            <a:srgbClr val="7030A0"/>
+          </a:solidFill>
+          <a:ln>
+            <a:solidFill>
+              <a:srgbClr val="7030A0"/>
+            </a:solidFill>
+          </a:ln>
+          <a:effectLst/>
+        </p:spPr>
+        <p:style>
+          <a:lnRef idx="1">
+            <a:schemeClr val="accent3"/>
+          </a:lnRef>
+          <a:fillRef idx="2">
+            <a:schemeClr val="accent3"/>
+          </a:fillRef>
+          <a:effectRef idx="1">
+            <a:schemeClr val="accent3"/>
+          </a:effectRef>
+          <a:fontRef idx="minor">
+            <a:schemeClr val="dk1"/>
+          </a:fontRef>
+        </p:style>
+        <p:txBody>
+          <a:bodyPr rtlCol="0" anchor="ctr"/>
+          <a:lstStyle/>
+          <a:p>
+            <a:pPr algn="ctr"/>
+            <a:endParaRPr lang="en-SG" sz="1400" dirty="0">
+              <a:solidFill>
+                <a:schemeClr val="dk1"/>
+              </a:solidFill>
+            </a:endParaRPr>
+          </a:p>
+        </p:txBody>
+      </p:sp>
+      <p:cxnSp>
+        <p:nvCxnSpPr>
+          <p:cNvPr id="77" name="Straight Arrow Connector 76">
+            <a:extLst>
+              <a:ext uri="{FF2B5EF4-FFF2-40B4-BE49-F238E27FC236}">
+                <a16:creationId xmlns:a16="http://schemas.microsoft.com/office/drawing/2014/main" id="{631938A5-CCE6-4A07-93FD-077A9E3510E7}"/>
+              </a:ext>
+            </a:extLst>
+          </p:cNvPr>
+          <p:cNvCxnSpPr>
+            <a:cxnSpLocks/>
+          </p:cNvCxnSpPr>
+          <p:nvPr/>
+        </p:nvCxnSpPr>
+        <p:spPr>
+          <a:xfrm>
+            <a:off x="223987" y="4939301"/>
+            <a:ext cx="2267727" cy="0"/>
+          </a:xfrm>
+          <a:prstGeom prst="straightConnector1">
+            <a:avLst/>
+          </a:prstGeom>
+          <a:ln w="19050">
+            <a:solidFill>
+              <a:srgbClr val="0070C0"/>
+            </a:solidFill>
+            <a:tailEnd type="arrow"/>
+          </a:ln>
+        </p:spPr>
+        <p:style>
+          <a:lnRef idx="1">
+            <a:schemeClr val="accent1"/>
+          </a:lnRef>
+          <a:fillRef idx="0">
+            <a:schemeClr val="accent1"/>
+          </a:fillRef>
+          <a:effectRef idx="0">
+            <a:schemeClr val="accent1"/>
+          </a:effectRef>
+          <a:fontRef idx="minor">
+            <a:schemeClr val="tx1"/>
+          </a:fontRef>
+        </p:style>
+      </p:cxnSp>
+      <p:sp>
+        <p:nvSpPr>
+          <p:cNvPr id="78" name="TextBox 77">
+            <a:extLst>
+              <a:ext uri="{FF2B5EF4-FFF2-40B4-BE49-F238E27FC236}">
+                <a16:creationId xmlns:a16="http://schemas.microsoft.com/office/drawing/2014/main" id="{41702598-DD6A-47D7-9FFB-718D52A6FFD8}"/>
+              </a:ext>
+            </a:extLst>
+          </p:cNvPr>
+          <p:cNvSpPr txBox="1"/>
+          <p:nvPr/>
+        </p:nvSpPr>
+        <p:spPr>
+          <a:xfrm>
+            <a:off x="223987" y="4978587"/>
+            <a:ext cx="2248865" cy="215444"/>
+          </a:xfrm>
+          <a:prstGeom prst="rect">
+            <a:avLst/>
+          </a:prstGeom>
+          <a:noFill/>
+        </p:spPr>
+        <p:txBody>
+          <a:bodyPr wrap="square" lIns="0" tIns="0" rIns="0" bIns="0" rtlCol="0">
+            <a:spAutoFit/>
+          </a:bodyPr>
+          <a:lstStyle/>
+          <a:p>
+            <a:r>
+              <a:rPr lang="en-US" sz="1400" dirty="0">
+                <a:solidFill>
+                  <a:srgbClr val="7030A0"/>
+                </a:solidFill>
+              </a:rPr>
+              <a:t>Post(EncryptionRequestEvent)</a:t>
+            </a:r>
+          </a:p>
+        </p:txBody>
+      </p:sp>
+      <p:cxnSp>
+        <p:nvCxnSpPr>
+          <p:cNvPr id="80" name="Straight Arrow Connector 79">
+            <a:extLst>
+              <a:ext uri="{FF2B5EF4-FFF2-40B4-BE49-F238E27FC236}">
+                <a16:creationId xmlns:a16="http://schemas.microsoft.com/office/drawing/2014/main" id="{A8F4A2B4-9CE0-4D45-9A60-B144927484FB}"/>
+              </a:ext>
+            </a:extLst>
+          </p:cNvPr>
+          <p:cNvCxnSpPr>
+            <a:cxnSpLocks/>
+          </p:cNvCxnSpPr>
+          <p:nvPr/>
+        </p:nvCxnSpPr>
+        <p:spPr>
+          <a:xfrm>
+            <a:off x="276093" y="6309986"/>
+            <a:ext cx="2202947" cy="0"/>
+          </a:xfrm>
+          <a:prstGeom prst="straightConnector1">
+            <a:avLst/>
+          </a:prstGeom>
+          <a:ln w="19050">
+            <a:solidFill>
+              <a:srgbClr val="7030A0"/>
+            </a:solidFill>
+            <a:prstDash val="sysDash"/>
+            <a:headEnd type="arrow" w="med" len="med"/>
+            <a:tailEnd type="none" w="med" len="med"/>
+          </a:ln>
+        </p:spPr>
+        <p:style>
+          <a:lnRef idx="1">
+            <a:schemeClr val="accent1"/>
+          </a:lnRef>
+          <a:fillRef idx="0">
+            <a:schemeClr val="accent1"/>
+          </a:fillRef>
+          <a:effectRef idx="0">
+            <a:schemeClr val="accent1"/>
+          </a:effectRef>
+          <a:fontRef idx="minor">
+            <a:schemeClr val="tx1"/>
+          </a:fontRef>
+        </p:style>
+      </p:cxnSp>
     </p:spTree>
     <p:extLst>
       <p:ext uri="{BB962C8B-B14F-4D97-AF65-F5344CB8AC3E}">
